--- a/lections/cpp_craft_lec_1_part_1.pptx
+++ b/lections/cpp_craft_lec_1_part_1.pptx
@@ -11,6 +11,8 @@
     <p:sldId id="259" r:id="rId5"/>
     <p:sldId id="260" r:id="rId6"/>
     <p:sldId id="261" r:id="rId7"/>
+    <p:sldId id="262" r:id="rId8"/>
+    <p:sldId id="263" r:id="rId9"/>
   </p:sldIdLst>
   <p:sldSz cx="9144000" cy="6858000" type="screen4x3"/>
   <p:notesSz cx="6858000" cy="9144000"/>
@@ -293,6 +295,7 @@
           <a:p>
             <a:fld id="{8281312E-8B3E-4748-9BAE-A66E5A6CC2C8}" type="datetimeFigureOut">
               <a:rPr lang="en-US" smtClean="0"/>
+              <a:pPr/>
               <a:t>10/2/2013</a:t>
             </a:fld>
             <a:endParaRPr lang="en-US"/>
@@ -335,6 +338,7 @@
           <a:p>
             <a:fld id="{33FC85C6-34C1-4D45-BA63-3D47A0BDD702}" type="slidenum">
               <a:rPr lang="en-US" smtClean="0"/>
+              <a:pPr/>
               <a:t>‹#›</a:t>
             </a:fld>
             <a:endParaRPr lang="en-US"/>
@@ -458,6 +462,7 @@
           <a:p>
             <a:fld id="{8281312E-8B3E-4748-9BAE-A66E5A6CC2C8}" type="datetimeFigureOut">
               <a:rPr lang="en-US" smtClean="0"/>
+              <a:pPr/>
               <a:t>10/2/2013</a:t>
             </a:fld>
             <a:endParaRPr lang="en-US"/>
@@ -500,6 +505,7 @@
           <a:p>
             <a:fld id="{33FC85C6-34C1-4D45-BA63-3D47A0BDD702}" type="slidenum">
               <a:rPr lang="en-US" smtClean="0"/>
+              <a:pPr/>
               <a:t>‹#›</a:t>
             </a:fld>
             <a:endParaRPr lang="en-US"/>
@@ -633,6 +639,7 @@
           <a:p>
             <a:fld id="{8281312E-8B3E-4748-9BAE-A66E5A6CC2C8}" type="datetimeFigureOut">
               <a:rPr lang="en-US" smtClean="0"/>
+              <a:pPr/>
               <a:t>10/2/2013</a:t>
             </a:fld>
             <a:endParaRPr lang="en-US"/>
@@ -675,6 +682,7 @@
           <a:p>
             <a:fld id="{33FC85C6-34C1-4D45-BA63-3D47A0BDD702}" type="slidenum">
               <a:rPr lang="en-US" smtClean="0"/>
+              <a:pPr/>
               <a:t>‹#›</a:t>
             </a:fld>
             <a:endParaRPr lang="en-US"/>
@@ -798,6 +806,7 @@
           <a:p>
             <a:fld id="{8281312E-8B3E-4748-9BAE-A66E5A6CC2C8}" type="datetimeFigureOut">
               <a:rPr lang="en-US" smtClean="0"/>
+              <a:pPr/>
               <a:t>10/2/2013</a:t>
             </a:fld>
             <a:endParaRPr lang="en-US"/>
@@ -840,6 +849,7 @@
           <a:p>
             <a:fld id="{33FC85C6-34C1-4D45-BA63-3D47A0BDD702}" type="slidenum">
               <a:rPr lang="en-US" smtClean="0"/>
+              <a:pPr/>
               <a:t>‹#›</a:t>
             </a:fld>
             <a:endParaRPr lang="en-US"/>
@@ -1039,6 +1049,7 @@
           <a:p>
             <a:fld id="{8281312E-8B3E-4748-9BAE-A66E5A6CC2C8}" type="datetimeFigureOut">
               <a:rPr lang="en-US" smtClean="0"/>
+              <a:pPr/>
               <a:t>10/2/2013</a:t>
             </a:fld>
             <a:endParaRPr lang="en-US"/>
@@ -1081,6 +1092,7 @@
           <a:p>
             <a:fld id="{33FC85C6-34C1-4D45-BA63-3D47A0BDD702}" type="slidenum">
               <a:rPr lang="en-US" smtClean="0"/>
+              <a:pPr/>
               <a:t>‹#›</a:t>
             </a:fld>
             <a:endParaRPr lang="en-US"/>
@@ -1322,6 +1334,7 @@
           <a:p>
             <a:fld id="{8281312E-8B3E-4748-9BAE-A66E5A6CC2C8}" type="datetimeFigureOut">
               <a:rPr lang="en-US" smtClean="0"/>
+              <a:pPr/>
               <a:t>10/2/2013</a:t>
             </a:fld>
             <a:endParaRPr lang="en-US"/>
@@ -1364,6 +1377,7 @@
           <a:p>
             <a:fld id="{33FC85C6-34C1-4D45-BA63-3D47A0BDD702}" type="slidenum">
               <a:rPr lang="en-US" smtClean="0"/>
+              <a:pPr/>
               <a:t>‹#›</a:t>
             </a:fld>
             <a:endParaRPr lang="en-US"/>
@@ -1739,6 +1753,7 @@
           <a:p>
             <a:fld id="{8281312E-8B3E-4748-9BAE-A66E5A6CC2C8}" type="datetimeFigureOut">
               <a:rPr lang="en-US" smtClean="0"/>
+              <a:pPr/>
               <a:t>10/2/2013</a:t>
             </a:fld>
             <a:endParaRPr lang="en-US"/>
@@ -1781,6 +1796,7 @@
           <a:p>
             <a:fld id="{33FC85C6-34C1-4D45-BA63-3D47A0BDD702}" type="slidenum">
               <a:rPr lang="en-US" smtClean="0"/>
+              <a:pPr/>
               <a:t>‹#›</a:t>
             </a:fld>
             <a:endParaRPr lang="en-US"/>
@@ -1852,6 +1868,7 @@
           <a:p>
             <a:fld id="{8281312E-8B3E-4748-9BAE-A66E5A6CC2C8}" type="datetimeFigureOut">
               <a:rPr lang="en-US" smtClean="0"/>
+              <a:pPr/>
               <a:t>10/2/2013</a:t>
             </a:fld>
             <a:endParaRPr lang="en-US"/>
@@ -1894,6 +1911,7 @@
           <a:p>
             <a:fld id="{33FC85C6-34C1-4D45-BA63-3D47A0BDD702}" type="slidenum">
               <a:rPr lang="en-US" smtClean="0"/>
+              <a:pPr/>
               <a:t>‹#›</a:t>
             </a:fld>
             <a:endParaRPr lang="en-US"/>
@@ -1942,6 +1960,7 @@
           <a:p>
             <a:fld id="{8281312E-8B3E-4748-9BAE-A66E5A6CC2C8}" type="datetimeFigureOut">
               <a:rPr lang="en-US" smtClean="0"/>
+              <a:pPr/>
               <a:t>10/2/2013</a:t>
             </a:fld>
             <a:endParaRPr lang="en-US"/>
@@ -1984,6 +2003,7 @@
           <a:p>
             <a:fld id="{33FC85C6-34C1-4D45-BA63-3D47A0BDD702}" type="slidenum">
               <a:rPr lang="en-US" smtClean="0"/>
+              <a:pPr/>
               <a:t>‹#›</a:t>
             </a:fld>
             <a:endParaRPr lang="en-US"/>
@@ -2214,6 +2234,7 @@
           <a:p>
             <a:fld id="{8281312E-8B3E-4748-9BAE-A66E5A6CC2C8}" type="datetimeFigureOut">
               <a:rPr lang="en-US" smtClean="0"/>
+              <a:pPr/>
               <a:t>10/2/2013</a:t>
             </a:fld>
             <a:endParaRPr lang="en-US"/>
@@ -2256,6 +2277,7 @@
           <a:p>
             <a:fld id="{33FC85C6-34C1-4D45-BA63-3D47A0BDD702}" type="slidenum">
               <a:rPr lang="en-US" smtClean="0"/>
+              <a:pPr/>
               <a:t>‹#›</a:t>
             </a:fld>
             <a:endParaRPr lang="en-US"/>
@@ -2462,6 +2484,7 @@
           <a:p>
             <a:fld id="{8281312E-8B3E-4748-9BAE-A66E5A6CC2C8}" type="datetimeFigureOut">
               <a:rPr lang="en-US" smtClean="0"/>
+              <a:pPr/>
               <a:t>10/2/2013</a:t>
             </a:fld>
             <a:endParaRPr lang="en-US"/>
@@ -2504,6 +2527,7 @@
           <a:p>
             <a:fld id="{33FC85C6-34C1-4D45-BA63-3D47A0BDD702}" type="slidenum">
               <a:rPr lang="en-US" smtClean="0"/>
+              <a:pPr/>
               <a:t>‹#›</a:t>
             </a:fld>
             <a:endParaRPr lang="en-US"/>
@@ -2670,6 +2694,7 @@
           <a:p>
             <a:fld id="{8281312E-8B3E-4748-9BAE-A66E5A6CC2C8}" type="datetimeFigureOut">
               <a:rPr lang="en-US" smtClean="0"/>
+              <a:pPr/>
               <a:t>10/2/2013</a:t>
             </a:fld>
             <a:endParaRPr lang="en-US"/>
@@ -2748,6 +2773,7 @@
           <a:p>
             <a:fld id="{33FC85C6-34C1-4D45-BA63-3D47A0BDD702}" type="slidenum">
               <a:rPr lang="en-US" smtClean="0"/>
+              <a:pPr/>
               <a:t>‹#›</a:t>
             </a:fld>
             <a:endParaRPr lang="en-US"/>
@@ -3891,7 +3917,11 @@
           <a:bodyPr/>
           <a:lstStyle/>
           <a:p>
-            <a:endParaRPr lang="en-US"/>
+            <a:r>
+              <a:rPr lang="en-US" dirty="0" err="1" smtClean="0"/>
+              <a:t>Predizo</a:t>
+            </a:r>
+            <a:endParaRPr lang="en-US" dirty="0"/>
           </a:p>
         </p:txBody>
       </p:sp>
@@ -3909,6 +3939,291 @@
         <p:txBody>
           <a:bodyPr/>
           <a:lstStyle/>
+          <a:p>
+            <a:r>
+              <a:rPr lang="en-US" dirty="0" smtClean="0">
+                <a:hlinkClick r:id="rId2"/>
+              </a:rPr>
+              <a:t>http://www.predizo.com</a:t>
+            </a:r>
+            <a:r>
+              <a:rPr lang="en-US" dirty="0" smtClean="0">
+                <a:hlinkClick r:id="rId2"/>
+              </a:rPr>
+              <a:t>/</a:t>
+            </a:r>
+            <a:endParaRPr lang="en-US" dirty="0" smtClean="0"/>
+          </a:p>
+          <a:p>
+            <a:endParaRPr lang="en-US" dirty="0"/>
+          </a:p>
+        </p:txBody>
+      </p:sp>
+    </p:spTree>
+  </p:cSld>
+  <p:clrMapOvr>
+    <a:masterClrMapping/>
+  </p:clrMapOvr>
+</p:sld>
+</file>
+
+<file path=ppt/slides/slide7.xml><?xml version="1.0" encoding="utf-8"?>
+<p:sld xmlns:a="http://schemas.openxmlformats.org/drawingml/2006/main" xmlns:r="http://schemas.openxmlformats.org/officeDocument/2006/relationships" xmlns:p="http://schemas.openxmlformats.org/presentationml/2006/main">
+  <p:cSld>
+    <p:spTree>
+      <p:nvGrpSpPr>
+        <p:cNvPr id="1" name=""/>
+        <p:cNvGrpSpPr/>
+        <p:nvPr/>
+      </p:nvGrpSpPr>
+      <p:grpSpPr>
+        <a:xfrm>
+          <a:off x="0" y="0"/>
+          <a:ext cx="0" cy="0"/>
+          <a:chOff x="0" y="0"/>
+          <a:chExt cx="0" cy="0"/>
+        </a:xfrm>
+      </p:grpSpPr>
+      <p:sp>
+        <p:nvSpPr>
+          <p:cNvPr id="2" name="Title 1"/>
+          <p:cNvSpPr>
+            <a:spLocks noGrp="1"/>
+          </p:cNvSpPr>
+          <p:nvPr>
+            <p:ph type="title"/>
+          </p:nvPr>
+        </p:nvSpPr>
+        <p:spPr/>
+        <p:txBody>
+          <a:bodyPr/>
+          <a:lstStyle/>
+          <a:p>
+            <a:r>
+              <a:rPr lang="ru-RU" dirty="0" smtClean="0"/>
+              <a:t>Цели </a:t>
+            </a:r>
+            <a:r>
+              <a:rPr lang="en-US" dirty="0" smtClean="0"/>
+              <a:t>C++ Craft</a:t>
+            </a:r>
+            <a:endParaRPr lang="en-US" dirty="0"/>
+          </a:p>
+        </p:txBody>
+      </p:sp>
+      <p:sp>
+        <p:nvSpPr>
+          <p:cNvPr id="3" name="Content Placeholder 2"/>
+          <p:cNvSpPr>
+            <a:spLocks noGrp="1"/>
+          </p:cNvSpPr>
+          <p:nvPr>
+            <p:ph idx="1"/>
+          </p:nvPr>
+        </p:nvSpPr>
+        <p:spPr/>
+        <p:txBody>
+          <a:bodyPr/>
+          <a:lstStyle/>
+          <a:p>
+            <a:r>
+              <a:rPr lang="ru-RU" dirty="0" smtClean="0"/>
+              <a:t>Научиться чему-то новому.</a:t>
+            </a:r>
+          </a:p>
+          <a:p>
+            <a:r>
+              <a:rPr lang="ru-RU" dirty="0" smtClean="0"/>
+              <a:t>Получить практические навыки в задачах максимально приближенных к боевым.</a:t>
+            </a:r>
+            <a:endParaRPr lang="en-US" dirty="0"/>
+          </a:p>
+        </p:txBody>
+      </p:sp>
+    </p:spTree>
+  </p:cSld>
+  <p:clrMapOvr>
+    <a:masterClrMapping/>
+  </p:clrMapOvr>
+</p:sld>
+</file>
+
+<file path=ppt/slides/slide8.xml><?xml version="1.0" encoding="utf-8"?>
+<p:sld xmlns:a="http://schemas.openxmlformats.org/drawingml/2006/main" xmlns:r="http://schemas.openxmlformats.org/officeDocument/2006/relationships" xmlns:p="http://schemas.openxmlformats.org/presentationml/2006/main">
+  <p:cSld>
+    <p:spTree>
+      <p:nvGrpSpPr>
+        <p:cNvPr id="1" name=""/>
+        <p:cNvGrpSpPr/>
+        <p:nvPr/>
+      </p:nvGrpSpPr>
+      <p:grpSpPr>
+        <a:xfrm>
+          <a:off x="0" y="0"/>
+          <a:ext cx="0" cy="0"/>
+          <a:chOff x="0" y="0"/>
+          <a:chExt cx="0" cy="0"/>
+        </a:xfrm>
+      </p:grpSpPr>
+      <p:sp>
+        <p:nvSpPr>
+          <p:cNvPr id="2" name="Title 1"/>
+          <p:cNvSpPr>
+            <a:spLocks noGrp="1"/>
+          </p:cNvSpPr>
+          <p:nvPr>
+            <p:ph type="title"/>
+          </p:nvPr>
+        </p:nvSpPr>
+        <p:spPr/>
+        <p:txBody>
+          <a:bodyPr/>
+          <a:lstStyle/>
+          <a:p>
+            <a:r>
+              <a:rPr lang="en-US" dirty="0" err="1" smtClean="0"/>
+              <a:t>Git</a:t>
+            </a:r>
+            <a:endParaRPr lang="en-US" dirty="0"/>
+          </a:p>
+        </p:txBody>
+      </p:sp>
+      <p:sp>
+        <p:nvSpPr>
+          <p:cNvPr id="3" name="Content Placeholder 2"/>
+          <p:cNvSpPr>
+            <a:spLocks noGrp="1"/>
+          </p:cNvSpPr>
+          <p:nvPr>
+            <p:ph idx="1"/>
+          </p:nvPr>
+        </p:nvSpPr>
+        <p:spPr/>
+        <p:txBody>
+          <a:bodyPr/>
+          <a:lstStyle/>
+          <a:p>
+            <a:r>
+              <a:rPr lang="ru-RU" b="1" dirty="0" smtClean="0">
+                <a:solidFill>
+                  <a:schemeClr val="accent2">
+                    <a:lumMod val="75000"/>
+                  </a:schemeClr>
+                </a:solidFill>
+              </a:rPr>
+              <a:t>Сначала </a:t>
+            </a:r>
+            <a:r>
+              <a:rPr lang="en-US" b="1" dirty="0" err="1" smtClean="0">
+                <a:solidFill>
+                  <a:schemeClr val="accent2">
+                    <a:lumMod val="75000"/>
+                  </a:schemeClr>
+                </a:solidFill>
+              </a:rPr>
+              <a:t>git</a:t>
+            </a:r>
+            <a:r>
+              <a:rPr lang="en-US" b="1" dirty="0" smtClean="0">
+                <a:solidFill>
+                  <a:schemeClr val="accent2">
+                    <a:lumMod val="75000"/>
+                  </a:schemeClr>
+                </a:solidFill>
+              </a:rPr>
+              <a:t> pull </a:t>
+            </a:r>
+            <a:endParaRPr lang="en-US" b="1" dirty="0" smtClean="0">
+              <a:solidFill>
+                <a:schemeClr val="accent2">
+                  <a:lumMod val="75000"/>
+                </a:schemeClr>
+              </a:solidFill>
+            </a:endParaRPr>
+          </a:p>
+          <a:p>
+            <a:r>
+              <a:rPr lang="ru-RU" dirty="0" smtClean="0"/>
+              <a:t>Проверить статус, решить конфликты</a:t>
+            </a:r>
+          </a:p>
+          <a:p>
+            <a:r>
+              <a:rPr lang="ru-RU" dirty="0" smtClean="0"/>
+              <a:t>Залить с адекватным сообщением.</a:t>
+            </a:r>
+          </a:p>
+          <a:p>
+            <a:r>
+              <a:rPr lang="ru-RU" b="1" dirty="0" smtClean="0">
+                <a:solidFill>
+                  <a:schemeClr val="accent2">
+                    <a:lumMod val="75000"/>
+                  </a:schemeClr>
+                </a:solidFill>
+              </a:rPr>
+              <a:t>Сообщения можно исправлять!</a:t>
+            </a:r>
+            <a:endParaRPr lang="ru-RU" b="1" smtClean="0">
+              <a:solidFill>
+                <a:schemeClr val="accent2">
+                  <a:lumMod val="75000"/>
+                </a:schemeClr>
+              </a:solidFill>
+            </a:endParaRPr>
+          </a:p>
+          <a:p>
+            <a:pPr>
+              <a:buNone/>
+            </a:pPr>
+            <a:endParaRPr lang="en-US" b="1" dirty="0" smtClean="0">
+              <a:solidFill>
+                <a:schemeClr val="accent2">
+                  <a:lumMod val="75000"/>
+                </a:schemeClr>
+              </a:solidFill>
+            </a:endParaRPr>
+          </a:p>
+          <a:p>
+            <a:r>
+              <a:rPr lang="en-US" dirty="0" err="1" smtClean="0"/>
+              <a:t>Googleit</a:t>
+            </a:r>
+            <a:r>
+              <a:rPr lang="en-US" dirty="0" smtClean="0"/>
+              <a:t>: “</a:t>
+            </a:r>
+            <a:r>
+              <a:rPr lang="ru-RU" dirty="0" err="1" smtClean="0"/>
+              <a:t>Git</a:t>
+            </a:r>
+            <a:r>
+              <a:rPr lang="ru-RU" dirty="0" smtClean="0"/>
+              <a:t> </a:t>
+            </a:r>
+            <a:r>
+              <a:rPr lang="ru-RU" dirty="0" err="1" smtClean="0"/>
+              <a:t>Rebase</a:t>
+            </a:r>
+            <a:r>
+              <a:rPr lang="ru-RU" dirty="0" smtClean="0"/>
+              <a:t>: руководство по </a:t>
+            </a:r>
+            <a:r>
+              <a:rPr lang="ru-RU" dirty="0" smtClean="0"/>
+              <a:t>использованию</a:t>
+            </a:r>
+            <a:r>
+              <a:rPr lang="en-US" dirty="0" smtClean="0"/>
+              <a:t>”.</a:t>
+            </a:r>
+          </a:p>
+          <a:p>
+            <a:endParaRPr lang="en-US" dirty="0" smtClean="0"/>
+          </a:p>
+          <a:p>
+            <a:endParaRPr lang="ru-RU" b="1" dirty="0" smtClean="0"/>
+          </a:p>
           <a:p>
             <a:endParaRPr lang="en-US" dirty="0"/>
           </a:p>

--- a/lections/cpp_craft_lec_1_part_1.pptx
+++ b/lections/cpp_craft_lec_1_part_1.pptx
@@ -13,6 +13,24 @@
     <p:sldId id="261" r:id="rId7"/>
     <p:sldId id="262" r:id="rId8"/>
     <p:sldId id="263" r:id="rId9"/>
+    <p:sldId id="264" r:id="rId10"/>
+    <p:sldId id="265" r:id="rId11"/>
+    <p:sldId id="266" r:id="rId12"/>
+    <p:sldId id="267" r:id="rId13"/>
+    <p:sldId id="268" r:id="rId14"/>
+    <p:sldId id="269" r:id="rId15"/>
+    <p:sldId id="270" r:id="rId16"/>
+    <p:sldId id="271" r:id="rId17"/>
+    <p:sldId id="272" r:id="rId18"/>
+    <p:sldId id="273" r:id="rId19"/>
+    <p:sldId id="274" r:id="rId20"/>
+    <p:sldId id="275" r:id="rId21"/>
+    <p:sldId id="276" r:id="rId22"/>
+    <p:sldId id="277" r:id="rId23"/>
+    <p:sldId id="278" r:id="rId24"/>
+    <p:sldId id="279" r:id="rId25"/>
+    <p:sldId id="280" r:id="rId26"/>
+    <p:sldId id="281" r:id="rId27"/>
   </p:sldIdLst>
   <p:sldSz cx="9144000" cy="6858000" type="screen4x3"/>
   <p:notesSz cx="6858000" cy="9144000"/>
@@ -3157,6 +3175,1767 @@
 </p:sld>
 </file>
 
+<file path=ppt/slides/slide10.xml><?xml version="1.0" encoding="utf-8"?>
+<p:sld xmlns:a="http://schemas.openxmlformats.org/drawingml/2006/main" xmlns:r="http://schemas.openxmlformats.org/officeDocument/2006/relationships" xmlns:p="http://schemas.openxmlformats.org/presentationml/2006/main">
+  <p:cSld>
+    <p:spTree>
+      <p:nvGrpSpPr>
+        <p:cNvPr id="1" name=""/>
+        <p:cNvGrpSpPr/>
+        <p:nvPr/>
+      </p:nvGrpSpPr>
+      <p:grpSpPr>
+        <a:xfrm>
+          <a:off x="0" y="0"/>
+          <a:ext cx="0" cy="0"/>
+          <a:chOff x="0" y="0"/>
+          <a:chExt cx="0" cy="0"/>
+        </a:xfrm>
+      </p:grpSpPr>
+      <p:sp>
+        <p:nvSpPr>
+          <p:cNvPr id="2" name="Title 1"/>
+          <p:cNvSpPr>
+            <a:spLocks noGrp="1"/>
+          </p:cNvSpPr>
+          <p:nvPr>
+            <p:ph type="title"/>
+          </p:nvPr>
+        </p:nvSpPr>
+        <p:spPr/>
+        <p:txBody>
+          <a:bodyPr>
+            <a:noAutofit/>
+          </a:bodyPr>
+          <a:lstStyle/>
+          <a:p>
+            <a:r>
+              <a:rPr lang="ru-RU" sz="2800" b="1" dirty="0" smtClean="0"/>
+              <a:t>Инструменты процедурного программирования С/С++ (массивы, типы, циклы, функции, переменные, указатели, ссылки).</a:t>
+            </a:r>
+            <a:endParaRPr lang="en-US" sz="2800" b="1" dirty="0"/>
+          </a:p>
+        </p:txBody>
+      </p:sp>
+      <p:sp>
+        <p:nvSpPr>
+          <p:cNvPr id="3" name="Content Placeholder 2"/>
+          <p:cNvSpPr>
+            <a:spLocks noGrp="1"/>
+          </p:cNvSpPr>
+          <p:nvPr>
+            <p:ph idx="1"/>
+          </p:nvPr>
+        </p:nvSpPr>
+        <p:spPr/>
+        <p:txBody>
+          <a:bodyPr/>
+          <a:lstStyle/>
+          <a:p>
+            <a:r>
+              <a:rPr lang="ru-RU" dirty="0" smtClean="0"/>
+              <a:t>Массивы</a:t>
+            </a:r>
+          </a:p>
+          <a:p>
+            <a:r>
+              <a:rPr lang="ru-RU" dirty="0" smtClean="0"/>
+              <a:t>Типы</a:t>
+            </a:r>
+          </a:p>
+          <a:p>
+            <a:r>
+              <a:rPr lang="ru-RU" dirty="0" smtClean="0"/>
+              <a:t>Циклы</a:t>
+            </a:r>
+          </a:p>
+          <a:p>
+            <a:r>
+              <a:rPr lang="ru-RU" dirty="0" smtClean="0"/>
+              <a:t>Функции</a:t>
+            </a:r>
+          </a:p>
+          <a:p>
+            <a:r>
+              <a:rPr lang="ru-RU" dirty="0" smtClean="0"/>
+              <a:t>Переменные</a:t>
+            </a:r>
+          </a:p>
+          <a:p>
+            <a:r>
+              <a:rPr lang="ru-RU" dirty="0" smtClean="0"/>
+              <a:t>Указатели</a:t>
+            </a:r>
+          </a:p>
+          <a:p>
+            <a:r>
+              <a:rPr lang="ru-RU" dirty="0" smtClean="0"/>
+              <a:t>Ссылки</a:t>
+            </a:r>
+            <a:endParaRPr lang="en-US" dirty="0"/>
+          </a:p>
+        </p:txBody>
+      </p:sp>
+    </p:spTree>
+  </p:cSld>
+  <p:clrMapOvr>
+    <a:masterClrMapping/>
+  </p:clrMapOvr>
+</p:sld>
+</file>
+
+<file path=ppt/slides/slide11.xml><?xml version="1.0" encoding="utf-8"?>
+<p:sld xmlns:a="http://schemas.openxmlformats.org/drawingml/2006/main" xmlns:r="http://schemas.openxmlformats.org/officeDocument/2006/relationships" xmlns:p="http://schemas.openxmlformats.org/presentationml/2006/main">
+  <p:cSld>
+    <p:spTree>
+      <p:nvGrpSpPr>
+        <p:cNvPr id="1" name=""/>
+        <p:cNvGrpSpPr/>
+        <p:nvPr/>
+      </p:nvGrpSpPr>
+      <p:grpSpPr>
+        <a:xfrm>
+          <a:off x="0" y="0"/>
+          <a:ext cx="0" cy="0"/>
+          <a:chOff x="0" y="0"/>
+          <a:chExt cx="0" cy="0"/>
+        </a:xfrm>
+      </p:grpSpPr>
+      <p:sp>
+        <p:nvSpPr>
+          <p:cNvPr id="2" name="Title 1"/>
+          <p:cNvSpPr>
+            <a:spLocks noGrp="1"/>
+          </p:cNvSpPr>
+          <p:nvPr>
+            <p:ph type="title"/>
+          </p:nvPr>
+        </p:nvSpPr>
+        <p:spPr/>
+        <p:txBody>
+          <a:bodyPr/>
+          <a:lstStyle/>
+          <a:p>
+            <a:r>
+              <a:rPr lang="ru-RU" dirty="0" smtClean="0"/>
+              <a:t>Типы</a:t>
+            </a:r>
+            <a:endParaRPr lang="en-US" dirty="0"/>
+          </a:p>
+        </p:txBody>
+      </p:sp>
+      <p:sp>
+        <p:nvSpPr>
+          <p:cNvPr id="3" name="Content Placeholder 2"/>
+          <p:cNvSpPr>
+            <a:spLocks noGrp="1"/>
+          </p:cNvSpPr>
+          <p:nvPr>
+            <p:ph idx="1"/>
+          </p:nvPr>
+        </p:nvSpPr>
+        <p:spPr/>
+        <p:txBody>
+          <a:bodyPr>
+            <a:normAutofit lnSpcReduction="10000"/>
+          </a:bodyPr>
+          <a:lstStyle/>
+          <a:p>
+            <a:r>
+              <a:rPr lang="en-US" dirty="0" err="1" smtClean="0"/>
+              <a:t>int</a:t>
+            </a:r>
+            <a:r>
+              <a:rPr lang="en-US" dirty="0" smtClean="0"/>
+              <a:t> </a:t>
+            </a:r>
+            <a:r>
+              <a:rPr lang="en-US" dirty="0" err="1" smtClean="0"/>
+              <a:t>i</a:t>
+            </a:r>
+            <a:r>
+              <a:rPr lang="en-US" dirty="0" smtClean="0"/>
+              <a:t> = 5;</a:t>
+            </a:r>
+          </a:p>
+          <a:p>
+            <a:r>
+              <a:rPr lang="en-US" dirty="0" smtClean="0"/>
+              <a:t>char c = ‘a’;</a:t>
+            </a:r>
+          </a:p>
+          <a:p>
+            <a:r>
+              <a:rPr lang="en-US" dirty="0" smtClean="0"/>
+              <a:t>float f = 15.26;</a:t>
+            </a:r>
+          </a:p>
+          <a:p>
+            <a:endParaRPr lang="en-US" dirty="0" smtClean="0"/>
+          </a:p>
+          <a:p>
+            <a:r>
+              <a:rPr lang="en-US" dirty="0" smtClean="0"/>
+              <a:t>signed, unsigned</a:t>
+            </a:r>
+          </a:p>
+          <a:p>
+            <a:r>
+              <a:rPr lang="en-US" i="1" dirty="0" smtClean="0"/>
+              <a:t>long, short</a:t>
+            </a:r>
+          </a:p>
+          <a:p>
+            <a:endParaRPr lang="en-US" dirty="0" smtClean="0"/>
+          </a:p>
+          <a:p>
+            <a:r>
+              <a:rPr lang="en-US" dirty="0" smtClean="0"/>
+              <a:t>double, </a:t>
+            </a:r>
+            <a:r>
+              <a:rPr lang="en-US" dirty="0" err="1" smtClean="0"/>
+              <a:t>size_t</a:t>
+            </a:r>
+            <a:r>
+              <a:rPr lang="en-US" dirty="0" smtClean="0"/>
+              <a:t>, </a:t>
+            </a:r>
+            <a:r>
+              <a:rPr lang="en-US" u="sng" dirty="0" smtClean="0"/>
+              <a:t>const</a:t>
+            </a:r>
+            <a:r>
+              <a:rPr lang="en-US" dirty="0" smtClean="0"/>
+              <a:t>, </a:t>
+            </a:r>
+            <a:r>
+              <a:rPr lang="en-US" strike="sngStrike" dirty="0" smtClean="0"/>
+              <a:t>extern</a:t>
+            </a:r>
+            <a:endParaRPr lang="en-US" dirty="0" smtClean="0"/>
+          </a:p>
+          <a:p>
+            <a:endParaRPr lang="en-US" dirty="0"/>
+          </a:p>
+        </p:txBody>
+      </p:sp>
+    </p:spTree>
+  </p:cSld>
+  <p:clrMapOvr>
+    <a:masterClrMapping/>
+  </p:clrMapOvr>
+</p:sld>
+</file>
+
+<file path=ppt/slides/slide12.xml><?xml version="1.0" encoding="utf-8"?>
+<p:sld xmlns:a="http://schemas.openxmlformats.org/drawingml/2006/main" xmlns:r="http://schemas.openxmlformats.org/officeDocument/2006/relationships" xmlns:p="http://schemas.openxmlformats.org/presentationml/2006/main">
+  <p:cSld>
+    <p:spTree>
+      <p:nvGrpSpPr>
+        <p:cNvPr id="1" name=""/>
+        <p:cNvGrpSpPr/>
+        <p:nvPr/>
+      </p:nvGrpSpPr>
+      <p:grpSpPr>
+        <a:xfrm>
+          <a:off x="0" y="0"/>
+          <a:ext cx="0" cy="0"/>
+          <a:chOff x="0" y="0"/>
+          <a:chExt cx="0" cy="0"/>
+        </a:xfrm>
+      </p:grpSpPr>
+      <p:sp>
+        <p:nvSpPr>
+          <p:cNvPr id="2" name="Title 1"/>
+          <p:cNvSpPr>
+            <a:spLocks noGrp="1"/>
+          </p:cNvSpPr>
+          <p:nvPr>
+            <p:ph type="title"/>
+          </p:nvPr>
+        </p:nvSpPr>
+        <p:spPr/>
+        <p:txBody>
+          <a:bodyPr/>
+          <a:lstStyle/>
+          <a:p>
+            <a:r>
+              <a:rPr lang="ru-RU" dirty="0" smtClean="0"/>
+              <a:t>Циклы</a:t>
+            </a:r>
+            <a:endParaRPr lang="en-US" dirty="0"/>
+          </a:p>
+        </p:txBody>
+      </p:sp>
+      <p:sp>
+        <p:nvSpPr>
+          <p:cNvPr id="3" name="Content Placeholder 2"/>
+          <p:cNvSpPr>
+            <a:spLocks noGrp="1"/>
+          </p:cNvSpPr>
+          <p:nvPr>
+            <p:ph idx="1"/>
+          </p:nvPr>
+        </p:nvSpPr>
+        <p:spPr/>
+        <p:txBody>
+          <a:bodyPr/>
+          <a:lstStyle/>
+          <a:p>
+            <a:r>
+              <a:rPr lang="en-US" dirty="0" smtClean="0"/>
+              <a:t>for( </a:t>
+            </a:r>
+            <a:r>
+              <a:rPr lang="en-US" dirty="0" err="1" smtClean="0"/>
+              <a:t>size_t</a:t>
+            </a:r>
+            <a:r>
+              <a:rPr lang="en-US" dirty="0" smtClean="0"/>
+              <a:t> </a:t>
+            </a:r>
+            <a:r>
+              <a:rPr lang="en-US" dirty="0" err="1" smtClean="0"/>
+              <a:t>i</a:t>
+            </a:r>
+            <a:r>
+              <a:rPr lang="en-US" dirty="0" smtClean="0"/>
+              <a:t> = 0 ; </a:t>
+            </a:r>
+            <a:r>
+              <a:rPr lang="en-US" dirty="0" err="1" smtClean="0"/>
+              <a:t>i</a:t>
+            </a:r>
+            <a:r>
+              <a:rPr lang="en-US" dirty="0" smtClean="0"/>
+              <a:t> != 5 ; ++</a:t>
+            </a:r>
+            <a:r>
+              <a:rPr lang="en-US" dirty="0" err="1" smtClean="0"/>
+              <a:t>i</a:t>
+            </a:r>
+            <a:r>
+              <a:rPr lang="en-US" dirty="0" smtClean="0"/>
+              <a:t> ) {}</a:t>
+            </a:r>
+          </a:p>
+          <a:p>
+            <a:endParaRPr lang="en-US" dirty="0" smtClean="0"/>
+          </a:p>
+          <a:p>
+            <a:r>
+              <a:rPr lang="en-US" dirty="0" err="1" smtClean="0"/>
+              <a:t>bool</a:t>
+            </a:r>
+            <a:r>
+              <a:rPr lang="en-US" dirty="0" smtClean="0"/>
+              <a:t> check = false; while ( check ) {}</a:t>
+            </a:r>
+          </a:p>
+          <a:p>
+            <a:endParaRPr lang="en-US" dirty="0" smtClean="0"/>
+          </a:p>
+          <a:p>
+            <a:r>
+              <a:rPr lang="en-US" dirty="0" err="1" smtClean="0"/>
+              <a:t>bool</a:t>
+            </a:r>
+            <a:r>
+              <a:rPr lang="en-US" dirty="0" smtClean="0"/>
+              <a:t> check = false; do{} while( check );</a:t>
+            </a:r>
+            <a:endParaRPr lang="en-US" dirty="0"/>
+          </a:p>
+        </p:txBody>
+      </p:sp>
+    </p:spTree>
+  </p:cSld>
+  <p:clrMapOvr>
+    <a:masterClrMapping/>
+  </p:clrMapOvr>
+</p:sld>
+</file>
+
+<file path=ppt/slides/slide13.xml><?xml version="1.0" encoding="utf-8"?>
+<p:sld xmlns:a="http://schemas.openxmlformats.org/drawingml/2006/main" xmlns:r="http://schemas.openxmlformats.org/officeDocument/2006/relationships" xmlns:p="http://schemas.openxmlformats.org/presentationml/2006/main">
+  <p:cSld>
+    <p:spTree>
+      <p:nvGrpSpPr>
+        <p:cNvPr id="1" name=""/>
+        <p:cNvGrpSpPr/>
+        <p:nvPr/>
+      </p:nvGrpSpPr>
+      <p:grpSpPr>
+        <a:xfrm>
+          <a:off x="0" y="0"/>
+          <a:ext cx="0" cy="0"/>
+          <a:chOff x="0" y="0"/>
+          <a:chExt cx="0" cy="0"/>
+        </a:xfrm>
+      </p:grpSpPr>
+      <p:sp>
+        <p:nvSpPr>
+          <p:cNvPr id="2" name="Title 1"/>
+          <p:cNvSpPr>
+            <a:spLocks noGrp="1"/>
+          </p:cNvSpPr>
+          <p:nvPr>
+            <p:ph type="title"/>
+          </p:nvPr>
+        </p:nvSpPr>
+        <p:spPr/>
+        <p:txBody>
+          <a:bodyPr/>
+          <a:lstStyle/>
+          <a:p>
+            <a:r>
+              <a:rPr lang="ru-RU" dirty="0" smtClean="0"/>
+              <a:t>Функции</a:t>
+            </a:r>
+            <a:endParaRPr lang="en-US" dirty="0"/>
+          </a:p>
+        </p:txBody>
+      </p:sp>
+      <p:sp>
+        <p:nvSpPr>
+          <p:cNvPr id="3" name="Content Placeholder 2"/>
+          <p:cNvSpPr>
+            <a:spLocks noGrp="1"/>
+          </p:cNvSpPr>
+          <p:nvPr>
+            <p:ph idx="1"/>
+          </p:nvPr>
+        </p:nvSpPr>
+        <p:spPr/>
+        <p:txBody>
+          <a:bodyPr/>
+          <a:lstStyle/>
+          <a:p>
+            <a:r>
+              <a:rPr lang="en-US" dirty="0" smtClean="0"/>
+              <a:t>void f1(){}</a:t>
+            </a:r>
+          </a:p>
+          <a:p>
+            <a:endParaRPr lang="en-US" dirty="0" smtClean="0"/>
+          </a:p>
+          <a:p>
+            <a:r>
+              <a:rPr lang="en-US" dirty="0" err="1" smtClean="0"/>
+              <a:t>int</a:t>
+            </a:r>
+            <a:r>
+              <a:rPr lang="en-US" dirty="0" smtClean="0"/>
+              <a:t> f2() { return 0; }</a:t>
+            </a:r>
+          </a:p>
+          <a:p>
+            <a:endParaRPr lang="en-US" dirty="0" smtClean="0"/>
+          </a:p>
+          <a:p>
+            <a:r>
+              <a:rPr lang="en-US" dirty="0" smtClean="0"/>
+              <a:t>const </a:t>
+            </a:r>
+            <a:r>
+              <a:rPr lang="en-US" dirty="0" err="1" smtClean="0"/>
+              <a:t>int</a:t>
+            </a:r>
+            <a:r>
+              <a:rPr lang="en-US" dirty="0" smtClean="0"/>
+              <a:t> f3() { return 0; }</a:t>
+            </a:r>
+          </a:p>
+          <a:p>
+            <a:endParaRPr lang="en-US" dirty="0" smtClean="0"/>
+          </a:p>
+          <a:p>
+            <a:r>
+              <a:rPr lang="en-US" dirty="0" smtClean="0"/>
+              <a:t>const </a:t>
+            </a:r>
+            <a:r>
+              <a:rPr lang="en-US" dirty="0" err="1" smtClean="0"/>
+              <a:t>int</a:t>
+            </a:r>
+            <a:r>
+              <a:rPr lang="en-US" dirty="0" smtClean="0"/>
+              <a:t>&amp; f4( const </a:t>
+            </a:r>
+            <a:r>
+              <a:rPr lang="en-US" dirty="0" err="1" smtClean="0"/>
+              <a:t>int</a:t>
+            </a:r>
+            <a:r>
+              <a:rPr lang="en-US" dirty="0" smtClean="0"/>
+              <a:t>&amp; p ){ return p; }</a:t>
+            </a:r>
+            <a:endParaRPr lang="en-US" dirty="0"/>
+          </a:p>
+        </p:txBody>
+      </p:sp>
+    </p:spTree>
+  </p:cSld>
+  <p:clrMapOvr>
+    <a:masterClrMapping/>
+  </p:clrMapOvr>
+</p:sld>
+</file>
+
+<file path=ppt/slides/slide14.xml><?xml version="1.0" encoding="utf-8"?>
+<p:sld xmlns:a="http://schemas.openxmlformats.org/drawingml/2006/main" xmlns:r="http://schemas.openxmlformats.org/officeDocument/2006/relationships" xmlns:p="http://schemas.openxmlformats.org/presentationml/2006/main">
+  <p:cSld>
+    <p:spTree>
+      <p:nvGrpSpPr>
+        <p:cNvPr id="1" name=""/>
+        <p:cNvGrpSpPr/>
+        <p:nvPr/>
+      </p:nvGrpSpPr>
+      <p:grpSpPr>
+        <a:xfrm>
+          <a:off x="0" y="0"/>
+          <a:ext cx="0" cy="0"/>
+          <a:chOff x="0" y="0"/>
+          <a:chExt cx="0" cy="0"/>
+        </a:xfrm>
+      </p:grpSpPr>
+      <p:sp>
+        <p:nvSpPr>
+          <p:cNvPr id="2" name="Title 1"/>
+          <p:cNvSpPr>
+            <a:spLocks noGrp="1"/>
+          </p:cNvSpPr>
+          <p:nvPr>
+            <p:ph type="title"/>
+          </p:nvPr>
+        </p:nvSpPr>
+        <p:spPr/>
+        <p:txBody>
+          <a:bodyPr/>
+          <a:lstStyle/>
+          <a:p>
+            <a:r>
+              <a:rPr lang="ru-RU" dirty="0" smtClean="0"/>
+              <a:t>Переменные</a:t>
+            </a:r>
+            <a:endParaRPr lang="en-US" dirty="0"/>
+          </a:p>
+        </p:txBody>
+      </p:sp>
+      <p:sp>
+        <p:nvSpPr>
+          <p:cNvPr id="3" name="Content Placeholder 2"/>
+          <p:cNvSpPr>
+            <a:spLocks noGrp="1"/>
+          </p:cNvSpPr>
+          <p:nvPr>
+            <p:ph idx="1"/>
+          </p:nvPr>
+        </p:nvSpPr>
+        <p:spPr/>
+        <p:txBody>
+          <a:bodyPr>
+            <a:normAutofit fontScale="92500" lnSpcReduction="20000"/>
+          </a:bodyPr>
+          <a:lstStyle/>
+          <a:p>
+            <a:pPr>
+              <a:buNone/>
+            </a:pPr>
+            <a:r>
+              <a:rPr lang="en-US" dirty="0" err="1" smtClean="0">
+                <a:latin typeface="Consolas" pitchFamily="49" charset="0"/>
+                <a:cs typeface="Consolas" pitchFamily="49" charset="0"/>
+              </a:rPr>
+              <a:t>int</a:t>
+            </a:r>
+            <a:r>
+              <a:rPr lang="en-US" dirty="0" smtClean="0">
+                <a:latin typeface="Consolas" pitchFamily="49" charset="0"/>
+                <a:cs typeface="Consolas" pitchFamily="49" charset="0"/>
+              </a:rPr>
+              <a:t> a = 5;</a:t>
+            </a:r>
+          </a:p>
+          <a:p>
+            <a:pPr>
+              <a:buNone/>
+            </a:pPr>
+            <a:r>
+              <a:rPr lang="en-US" dirty="0" err="1" smtClean="0">
+                <a:latin typeface="Consolas" pitchFamily="49" charset="0"/>
+                <a:cs typeface="Consolas" pitchFamily="49" charset="0"/>
+              </a:rPr>
+              <a:t>int</a:t>
+            </a:r>
+            <a:r>
+              <a:rPr lang="en-US" dirty="0" smtClean="0">
+                <a:latin typeface="Consolas" pitchFamily="49" charset="0"/>
+                <a:cs typeface="Consolas" pitchFamily="49" charset="0"/>
+              </a:rPr>
+              <a:t> b = 3;</a:t>
+            </a:r>
+          </a:p>
+          <a:p>
+            <a:pPr>
+              <a:buNone/>
+            </a:pPr>
+            <a:r>
+              <a:rPr lang="en-US" dirty="0" smtClean="0">
+                <a:latin typeface="Consolas" pitchFamily="49" charset="0"/>
+                <a:cs typeface="Consolas" pitchFamily="49" charset="0"/>
+              </a:rPr>
+              <a:t>a += 45;</a:t>
+            </a:r>
+          </a:p>
+          <a:p>
+            <a:pPr>
+              <a:buNone/>
+            </a:pPr>
+            <a:r>
+              <a:rPr lang="en-US" dirty="0" smtClean="0">
+                <a:latin typeface="Consolas" pitchFamily="49" charset="0"/>
+                <a:cs typeface="Consolas" pitchFamily="49" charset="0"/>
+              </a:rPr>
+              <a:t>const </a:t>
+            </a:r>
+            <a:r>
+              <a:rPr lang="en-US" dirty="0" err="1" smtClean="0">
+                <a:latin typeface="Consolas" pitchFamily="49" charset="0"/>
+                <a:cs typeface="Consolas" pitchFamily="49" charset="0"/>
+              </a:rPr>
+              <a:t>int</a:t>
+            </a:r>
+            <a:r>
+              <a:rPr lang="en-US" dirty="0" smtClean="0">
+                <a:latin typeface="Consolas" pitchFamily="49" charset="0"/>
+                <a:cs typeface="Consolas" pitchFamily="49" charset="0"/>
+              </a:rPr>
+              <a:t> c = 6 * a + b;</a:t>
+            </a:r>
+          </a:p>
+          <a:p>
+            <a:pPr>
+              <a:buNone/>
+            </a:pPr>
+            <a:r>
+              <a:rPr lang="en-US" dirty="0" err="1" smtClean="0">
+                <a:latin typeface="Consolas" pitchFamily="49" charset="0"/>
+                <a:cs typeface="Consolas" pitchFamily="49" charset="0"/>
+              </a:rPr>
+              <a:t>int</a:t>
+            </a:r>
+            <a:r>
+              <a:rPr lang="en-US" dirty="0" smtClean="0">
+                <a:latin typeface="Consolas" pitchFamily="49" charset="0"/>
+                <a:cs typeface="Consolas" pitchFamily="49" charset="0"/>
+              </a:rPr>
+              <a:t> d = a + b + c;</a:t>
+            </a:r>
+            <a:endParaRPr lang="ru-RU" dirty="0" smtClean="0">
+              <a:latin typeface="Consolas" pitchFamily="49" charset="0"/>
+              <a:cs typeface="Consolas" pitchFamily="49" charset="0"/>
+            </a:endParaRPr>
+          </a:p>
+          <a:p>
+            <a:pPr>
+              <a:buNone/>
+            </a:pPr>
+            <a:endParaRPr lang="ru-RU" dirty="0" smtClean="0">
+              <a:latin typeface="Consolas" pitchFamily="49" charset="0"/>
+              <a:cs typeface="Consolas" pitchFamily="49" charset="0"/>
+            </a:endParaRPr>
+          </a:p>
+          <a:p>
+            <a:pPr>
+              <a:buNone/>
+            </a:pPr>
+            <a:r>
+              <a:rPr lang="en-US" dirty="0" err="1" smtClean="0">
+                <a:latin typeface="Consolas" pitchFamily="49" charset="0"/>
+                <a:cs typeface="Consolas" pitchFamily="49" charset="0"/>
+              </a:rPr>
+              <a:t>int</a:t>
+            </a:r>
+            <a:r>
+              <a:rPr lang="en-US" dirty="0" smtClean="0">
+                <a:latin typeface="Consolas" pitchFamily="49" charset="0"/>
+                <a:cs typeface="Consolas" pitchFamily="49" charset="0"/>
+              </a:rPr>
+              <a:t> *a = new </a:t>
+            </a:r>
+            <a:r>
+              <a:rPr lang="en-US" dirty="0" err="1" smtClean="0">
+                <a:latin typeface="Consolas" pitchFamily="49" charset="0"/>
+                <a:cs typeface="Consolas" pitchFamily="49" charset="0"/>
+              </a:rPr>
+              <a:t>int</a:t>
+            </a:r>
+            <a:r>
+              <a:rPr lang="en-US" dirty="0" smtClean="0">
+                <a:latin typeface="Consolas" pitchFamily="49" charset="0"/>
+                <a:cs typeface="Consolas" pitchFamily="49" charset="0"/>
+              </a:rPr>
+              <a:t>( 34 ); </a:t>
+            </a:r>
+            <a:endParaRPr lang="en-US" dirty="0" smtClean="0">
+              <a:latin typeface="Consolas" pitchFamily="49" charset="0"/>
+              <a:cs typeface="Consolas" pitchFamily="49" charset="0"/>
+            </a:endParaRPr>
+          </a:p>
+          <a:p>
+            <a:pPr>
+              <a:buNone/>
+            </a:pPr>
+            <a:r>
+              <a:rPr lang="en-US" dirty="0" smtClean="0">
+                <a:latin typeface="Consolas" pitchFamily="49" charset="0"/>
+                <a:cs typeface="Consolas" pitchFamily="49" charset="0"/>
+              </a:rPr>
+              <a:t>*</a:t>
+            </a:r>
+            <a:r>
+              <a:rPr lang="en-US" dirty="0" smtClean="0">
+                <a:latin typeface="Consolas" pitchFamily="49" charset="0"/>
+                <a:cs typeface="Consolas" pitchFamily="49" charset="0"/>
+              </a:rPr>
+              <a:t>a; </a:t>
+            </a:r>
+            <a:endParaRPr lang="en-US" dirty="0" smtClean="0">
+              <a:latin typeface="Consolas" pitchFamily="49" charset="0"/>
+              <a:cs typeface="Consolas" pitchFamily="49" charset="0"/>
+            </a:endParaRPr>
+          </a:p>
+          <a:p>
+            <a:pPr>
+              <a:buNone/>
+            </a:pPr>
+            <a:r>
+              <a:rPr lang="en-US" dirty="0" smtClean="0">
+                <a:latin typeface="Consolas" pitchFamily="49" charset="0"/>
+                <a:cs typeface="Consolas" pitchFamily="49" charset="0"/>
+              </a:rPr>
+              <a:t>delete </a:t>
+            </a:r>
+            <a:r>
+              <a:rPr lang="en-US" dirty="0" smtClean="0">
+                <a:latin typeface="Consolas" pitchFamily="49" charset="0"/>
+                <a:cs typeface="Consolas" pitchFamily="49" charset="0"/>
+              </a:rPr>
+              <a:t>a;</a:t>
+            </a:r>
+          </a:p>
+          <a:p>
+            <a:endParaRPr lang="en-US" dirty="0"/>
+          </a:p>
+        </p:txBody>
+      </p:sp>
+    </p:spTree>
+  </p:cSld>
+  <p:clrMapOvr>
+    <a:masterClrMapping/>
+  </p:clrMapOvr>
+</p:sld>
+</file>
+
+<file path=ppt/slides/slide15.xml><?xml version="1.0" encoding="utf-8"?>
+<p:sld xmlns:a="http://schemas.openxmlformats.org/drawingml/2006/main" xmlns:r="http://schemas.openxmlformats.org/officeDocument/2006/relationships" xmlns:p="http://schemas.openxmlformats.org/presentationml/2006/main">
+  <p:cSld>
+    <p:spTree>
+      <p:nvGrpSpPr>
+        <p:cNvPr id="1" name=""/>
+        <p:cNvGrpSpPr/>
+        <p:nvPr/>
+      </p:nvGrpSpPr>
+      <p:grpSpPr>
+        <a:xfrm>
+          <a:off x="0" y="0"/>
+          <a:ext cx="0" cy="0"/>
+          <a:chOff x="0" y="0"/>
+          <a:chExt cx="0" cy="0"/>
+        </a:xfrm>
+      </p:grpSpPr>
+      <p:sp>
+        <p:nvSpPr>
+          <p:cNvPr id="2" name="Title 1"/>
+          <p:cNvSpPr>
+            <a:spLocks noGrp="1"/>
+          </p:cNvSpPr>
+          <p:nvPr>
+            <p:ph type="title"/>
+          </p:nvPr>
+        </p:nvSpPr>
+        <p:spPr/>
+        <p:txBody>
+          <a:bodyPr/>
+          <a:lstStyle/>
+          <a:p>
+            <a:r>
+              <a:rPr lang="ru-RU" dirty="0" smtClean="0"/>
+              <a:t>Указатели</a:t>
+            </a:r>
+            <a:endParaRPr lang="en-US" dirty="0"/>
+          </a:p>
+        </p:txBody>
+      </p:sp>
+      <p:sp>
+        <p:nvSpPr>
+          <p:cNvPr id="3" name="Content Placeholder 2"/>
+          <p:cNvSpPr>
+            <a:spLocks noGrp="1"/>
+          </p:cNvSpPr>
+          <p:nvPr>
+            <p:ph idx="1"/>
+          </p:nvPr>
+        </p:nvSpPr>
+        <p:spPr/>
+        <p:txBody>
+          <a:bodyPr>
+            <a:normAutofit/>
+          </a:bodyPr>
+          <a:lstStyle/>
+          <a:p>
+            <a:pPr>
+              <a:buNone/>
+            </a:pPr>
+            <a:r>
+              <a:rPr lang="en-US" dirty="0" err="1" smtClean="0"/>
+              <a:t>int</a:t>
+            </a:r>
+            <a:r>
+              <a:rPr lang="en-US" dirty="0" smtClean="0"/>
+              <a:t> </a:t>
+            </a:r>
+            <a:r>
+              <a:rPr lang="en-US" dirty="0" err="1" smtClean="0"/>
+              <a:t>i</a:t>
+            </a:r>
+            <a:r>
+              <a:rPr lang="en-US" dirty="0" smtClean="0"/>
+              <a:t> = 4;</a:t>
+            </a:r>
+          </a:p>
+          <a:p>
+            <a:pPr>
+              <a:buNone/>
+            </a:pPr>
+            <a:r>
+              <a:rPr lang="en-US" dirty="0" err="1" smtClean="0"/>
+              <a:t>int</a:t>
+            </a:r>
+            <a:r>
+              <a:rPr lang="en-US" dirty="0" smtClean="0"/>
+              <a:t>* </a:t>
+            </a:r>
+            <a:r>
+              <a:rPr lang="en-US" dirty="0" err="1" smtClean="0"/>
+              <a:t>ip</a:t>
+            </a:r>
+            <a:r>
+              <a:rPr lang="en-US" dirty="0" smtClean="0"/>
+              <a:t> = &amp;</a:t>
+            </a:r>
+            <a:r>
+              <a:rPr lang="en-US" dirty="0" err="1" smtClean="0"/>
+              <a:t>i</a:t>
+            </a:r>
+            <a:r>
+              <a:rPr lang="en-US" dirty="0" smtClean="0"/>
+              <a:t>;</a:t>
+            </a:r>
+          </a:p>
+          <a:p>
+            <a:pPr>
+              <a:buNone/>
+            </a:pPr>
+            <a:r>
+              <a:rPr lang="en-US" dirty="0" err="1" smtClean="0"/>
+              <a:t>i</a:t>
+            </a:r>
+            <a:r>
+              <a:rPr lang="en-US" dirty="0" smtClean="0"/>
+              <a:t> += *</a:t>
+            </a:r>
+            <a:r>
+              <a:rPr lang="en-US" dirty="0" err="1" smtClean="0"/>
+              <a:t>ip</a:t>
+            </a:r>
+            <a:r>
+              <a:rPr lang="en-US" dirty="0" smtClean="0"/>
+              <a:t>;</a:t>
+            </a:r>
+          </a:p>
+          <a:p>
+            <a:pPr>
+              <a:buNone/>
+            </a:pPr>
+            <a:r>
+              <a:rPr lang="en-US" dirty="0" smtClean="0"/>
+              <a:t>const </a:t>
+            </a:r>
+            <a:r>
+              <a:rPr lang="en-US" dirty="0" err="1" smtClean="0"/>
+              <a:t>int</a:t>
+            </a:r>
+            <a:r>
+              <a:rPr lang="en-US" dirty="0" smtClean="0"/>
+              <a:t>* const </a:t>
+            </a:r>
+            <a:r>
+              <a:rPr lang="en-US" dirty="0" err="1" smtClean="0"/>
+              <a:t>cip</a:t>
+            </a:r>
+            <a:r>
+              <a:rPr lang="en-US" dirty="0" smtClean="0"/>
+              <a:t> = &amp;</a:t>
+            </a:r>
+            <a:r>
+              <a:rPr lang="en-US" dirty="0" err="1" smtClean="0"/>
+              <a:t>i</a:t>
+            </a:r>
+            <a:r>
+              <a:rPr lang="en-US" dirty="0" smtClean="0"/>
+              <a:t>;</a:t>
+            </a:r>
+          </a:p>
+          <a:p>
+            <a:pPr>
+              <a:buNone/>
+            </a:pPr>
+            <a:r>
+              <a:rPr lang="en-US" dirty="0" err="1" smtClean="0"/>
+              <a:t>typedef</a:t>
+            </a:r>
+            <a:r>
+              <a:rPr lang="en-US" dirty="0" smtClean="0"/>
+              <a:t> const </a:t>
+            </a:r>
+            <a:r>
+              <a:rPr lang="en-US" dirty="0" err="1" smtClean="0"/>
+              <a:t>int</a:t>
+            </a:r>
+            <a:r>
+              <a:rPr lang="en-US" dirty="0" smtClean="0"/>
+              <a:t>&amp; (*</a:t>
+            </a:r>
+            <a:r>
+              <a:rPr lang="en-US" dirty="0" err="1" smtClean="0"/>
+              <a:t>fp</a:t>
+            </a:r>
+            <a:r>
+              <a:rPr lang="en-US" dirty="0" smtClean="0"/>
+              <a:t>)( const </a:t>
+            </a:r>
+            <a:r>
+              <a:rPr lang="en-US" dirty="0" err="1" smtClean="0"/>
+              <a:t>int</a:t>
+            </a:r>
+            <a:r>
+              <a:rPr lang="en-US" dirty="0" smtClean="0"/>
+              <a:t>&amp; );</a:t>
+            </a:r>
+          </a:p>
+          <a:p>
+            <a:pPr>
+              <a:buNone/>
+            </a:pPr>
+            <a:endParaRPr lang="en-US" dirty="0" smtClean="0"/>
+          </a:p>
+          <a:p>
+            <a:pPr>
+              <a:buNone/>
+            </a:pPr>
+            <a:r>
+              <a:rPr lang="en-US" sz="2800" dirty="0" err="1" smtClean="0"/>
+              <a:t>typedef</a:t>
+            </a:r>
+            <a:r>
+              <a:rPr lang="en-US" sz="2800" dirty="0" smtClean="0"/>
+              <a:t> std::string::</a:t>
+            </a:r>
+            <a:r>
+              <a:rPr lang="en-US" sz="2800" dirty="0" err="1" smtClean="0"/>
+              <a:t>size_type</a:t>
+            </a:r>
+            <a:r>
+              <a:rPr lang="en-US" sz="2800" dirty="0" smtClean="0"/>
+              <a:t> (std::string::*sp)() const;</a:t>
+            </a:r>
+          </a:p>
+        </p:txBody>
+      </p:sp>
+    </p:spTree>
+  </p:cSld>
+  <p:clrMapOvr>
+    <a:masterClrMapping/>
+  </p:clrMapOvr>
+</p:sld>
+</file>
+
+<file path=ppt/slides/slide16.xml><?xml version="1.0" encoding="utf-8"?>
+<p:sld xmlns:a="http://schemas.openxmlformats.org/drawingml/2006/main" xmlns:r="http://schemas.openxmlformats.org/officeDocument/2006/relationships" xmlns:p="http://schemas.openxmlformats.org/presentationml/2006/main">
+  <p:cSld>
+    <p:spTree>
+      <p:nvGrpSpPr>
+        <p:cNvPr id="1" name=""/>
+        <p:cNvGrpSpPr/>
+        <p:nvPr/>
+      </p:nvGrpSpPr>
+      <p:grpSpPr>
+        <a:xfrm>
+          <a:off x="0" y="0"/>
+          <a:ext cx="0" cy="0"/>
+          <a:chOff x="0" y="0"/>
+          <a:chExt cx="0" cy="0"/>
+        </a:xfrm>
+      </p:grpSpPr>
+      <p:sp>
+        <p:nvSpPr>
+          <p:cNvPr id="2" name="Title 1"/>
+          <p:cNvSpPr>
+            <a:spLocks noGrp="1"/>
+          </p:cNvSpPr>
+          <p:nvPr>
+            <p:ph type="title"/>
+          </p:nvPr>
+        </p:nvSpPr>
+        <p:spPr/>
+        <p:txBody>
+          <a:bodyPr/>
+          <a:lstStyle/>
+          <a:p>
+            <a:r>
+              <a:rPr lang="ru-RU" dirty="0" smtClean="0"/>
+              <a:t>Массивы</a:t>
+            </a:r>
+            <a:endParaRPr lang="en-US" dirty="0"/>
+          </a:p>
+        </p:txBody>
+      </p:sp>
+      <p:sp>
+        <p:nvSpPr>
+          <p:cNvPr id="3" name="Content Placeholder 2"/>
+          <p:cNvSpPr>
+            <a:spLocks noGrp="1"/>
+          </p:cNvSpPr>
+          <p:nvPr>
+            <p:ph idx="1"/>
+          </p:nvPr>
+        </p:nvSpPr>
+        <p:spPr/>
+        <p:txBody>
+          <a:bodyPr>
+            <a:normAutofit fontScale="92500" lnSpcReduction="10000"/>
+          </a:bodyPr>
+          <a:lstStyle/>
+          <a:p>
+            <a:pPr>
+              <a:buNone/>
+            </a:pPr>
+            <a:r>
+              <a:rPr lang="en-US" sz="2800" dirty="0" err="1" smtClean="0">
+                <a:latin typeface="Consolas" pitchFamily="49" charset="0"/>
+                <a:cs typeface="Consolas" pitchFamily="49" charset="0"/>
+              </a:rPr>
+              <a:t>int</a:t>
+            </a:r>
+            <a:r>
+              <a:rPr lang="en-US" sz="2800" dirty="0" smtClean="0">
+                <a:latin typeface="Consolas" pitchFamily="49" charset="0"/>
+                <a:cs typeface="Consolas" pitchFamily="49" charset="0"/>
+              </a:rPr>
+              <a:t> a[ 40 ];</a:t>
+            </a:r>
+          </a:p>
+          <a:p>
+            <a:pPr>
+              <a:buNone/>
+            </a:pPr>
+            <a:r>
+              <a:rPr lang="en-US" sz="2800" dirty="0" err="1" smtClean="0">
+                <a:latin typeface="Consolas" pitchFamily="49" charset="0"/>
+                <a:cs typeface="Consolas" pitchFamily="49" charset="0"/>
+              </a:rPr>
+              <a:t>int</a:t>
+            </a:r>
+            <a:r>
+              <a:rPr lang="en-US" sz="2800" dirty="0" smtClean="0">
+                <a:latin typeface="Consolas" pitchFamily="49" charset="0"/>
+                <a:cs typeface="Consolas" pitchFamily="49" charset="0"/>
+              </a:rPr>
+              <a:t> b[ 40 ] = { 0 };</a:t>
+            </a:r>
+          </a:p>
+          <a:p>
+            <a:pPr>
+              <a:buNone/>
+            </a:pPr>
+            <a:r>
+              <a:rPr lang="en-US" sz="2800" dirty="0" err="1" smtClean="0">
+                <a:latin typeface="Consolas" pitchFamily="49" charset="0"/>
+                <a:cs typeface="Consolas" pitchFamily="49" charset="0"/>
+              </a:rPr>
+              <a:t>int</a:t>
+            </a:r>
+            <a:r>
+              <a:rPr lang="en-US" sz="2800" dirty="0" smtClean="0">
+                <a:latin typeface="Consolas" pitchFamily="49" charset="0"/>
+                <a:cs typeface="Consolas" pitchFamily="49" charset="0"/>
+              </a:rPr>
+              <a:t> c[] = {0,0,0,0,0,0};</a:t>
+            </a:r>
+          </a:p>
+          <a:p>
+            <a:pPr>
+              <a:buNone/>
+            </a:pPr>
+            <a:endParaRPr lang="en-US" sz="2800" dirty="0" smtClean="0">
+              <a:latin typeface="Consolas" pitchFamily="49" charset="0"/>
+              <a:cs typeface="Consolas" pitchFamily="49" charset="0"/>
+            </a:endParaRPr>
+          </a:p>
+          <a:p>
+            <a:pPr>
+              <a:buNone/>
+            </a:pPr>
+            <a:r>
+              <a:rPr lang="en-US" sz="2800" dirty="0" err="1" smtClean="0">
+                <a:latin typeface="Consolas" pitchFamily="49" charset="0"/>
+                <a:cs typeface="Consolas" pitchFamily="49" charset="0"/>
+              </a:rPr>
+              <a:t>int</a:t>
+            </a:r>
+            <a:r>
+              <a:rPr lang="en-US" sz="2800" dirty="0" smtClean="0">
+                <a:latin typeface="Consolas" pitchFamily="49" charset="0"/>
+                <a:cs typeface="Consolas" pitchFamily="49" charset="0"/>
+              </a:rPr>
+              <a:t> *d = new </a:t>
+            </a:r>
+            <a:r>
+              <a:rPr lang="en-US" sz="2800" dirty="0" err="1" smtClean="0">
+                <a:latin typeface="Consolas" pitchFamily="49" charset="0"/>
+                <a:cs typeface="Consolas" pitchFamily="49" charset="0"/>
+              </a:rPr>
+              <a:t>int</a:t>
+            </a:r>
+            <a:r>
+              <a:rPr lang="en-US" sz="2800" dirty="0" smtClean="0">
+                <a:latin typeface="Consolas" pitchFamily="49" charset="0"/>
+                <a:cs typeface="Consolas" pitchFamily="49" charset="0"/>
+              </a:rPr>
+              <a:t>[ 45 ] ; </a:t>
+            </a:r>
+            <a:endParaRPr lang="en-US" sz="2800" dirty="0" smtClean="0">
+              <a:latin typeface="Consolas" pitchFamily="49" charset="0"/>
+              <a:cs typeface="Consolas" pitchFamily="49" charset="0"/>
+            </a:endParaRPr>
+          </a:p>
+          <a:p>
+            <a:pPr>
+              <a:buNone/>
+            </a:pPr>
+            <a:r>
+              <a:rPr lang="en-US" sz="2800" dirty="0" smtClean="0">
+                <a:latin typeface="Consolas" pitchFamily="49" charset="0"/>
+                <a:cs typeface="Consolas" pitchFamily="49" charset="0"/>
+              </a:rPr>
+              <a:t>*</a:t>
+            </a:r>
+            <a:r>
+              <a:rPr lang="en-US" sz="2800" dirty="0" smtClean="0">
+                <a:latin typeface="Consolas" pitchFamily="49" charset="0"/>
+                <a:cs typeface="Consolas" pitchFamily="49" charset="0"/>
+              </a:rPr>
+              <a:t>d; </a:t>
+            </a:r>
+            <a:endParaRPr lang="en-US" sz="2800" dirty="0" smtClean="0">
+              <a:latin typeface="Consolas" pitchFamily="49" charset="0"/>
+              <a:cs typeface="Consolas" pitchFamily="49" charset="0"/>
+            </a:endParaRPr>
+          </a:p>
+          <a:p>
+            <a:pPr>
+              <a:buNone/>
+            </a:pPr>
+            <a:r>
+              <a:rPr lang="en-US" sz="2800" dirty="0" smtClean="0">
+                <a:latin typeface="Consolas" pitchFamily="49" charset="0"/>
+                <a:cs typeface="Consolas" pitchFamily="49" charset="0"/>
+              </a:rPr>
+              <a:t>d</a:t>
+            </a:r>
+            <a:r>
+              <a:rPr lang="en-US" sz="2800" dirty="0" smtClean="0">
+                <a:latin typeface="Consolas" pitchFamily="49" charset="0"/>
+                <a:cs typeface="Consolas" pitchFamily="49" charset="0"/>
+              </a:rPr>
+              <a:t>[ 40 </a:t>
+            </a:r>
+            <a:r>
+              <a:rPr lang="en-US" sz="2800" dirty="0" smtClean="0">
+                <a:latin typeface="Consolas" pitchFamily="49" charset="0"/>
+                <a:cs typeface="Consolas" pitchFamily="49" charset="0"/>
+              </a:rPr>
+              <a:t>]; </a:t>
+            </a:r>
+          </a:p>
+          <a:p>
+            <a:pPr>
+              <a:buNone/>
+            </a:pPr>
+            <a:r>
+              <a:rPr lang="en-US" sz="2800" dirty="0" smtClean="0">
+                <a:latin typeface="Consolas" pitchFamily="49" charset="0"/>
+                <a:cs typeface="Consolas" pitchFamily="49" charset="0"/>
+              </a:rPr>
+              <a:t>delete </a:t>
+            </a:r>
+            <a:r>
+              <a:rPr lang="en-US" sz="2800" dirty="0" smtClean="0">
+                <a:latin typeface="Consolas" pitchFamily="49" charset="0"/>
+                <a:cs typeface="Consolas" pitchFamily="49" charset="0"/>
+              </a:rPr>
+              <a:t>[] d;</a:t>
+            </a:r>
+          </a:p>
+          <a:p>
+            <a:pPr>
+              <a:buNone/>
+            </a:pPr>
+            <a:endParaRPr lang="en-US" dirty="0" smtClean="0"/>
+          </a:p>
+          <a:p>
+            <a:pPr>
+              <a:buNone/>
+            </a:pPr>
+            <a:r>
+              <a:rPr lang="en-US" dirty="0" smtClean="0"/>
+              <a:t>d[5]    </a:t>
+            </a:r>
+            <a:r>
+              <a:rPr lang="en-US" dirty="0" smtClean="0">
+                <a:sym typeface="Wingdings" pitchFamily="2" charset="2"/>
+              </a:rPr>
+              <a:t>     *(d+5)               5[d] </a:t>
+            </a:r>
+            <a:endParaRPr lang="en-US" dirty="0"/>
+          </a:p>
+        </p:txBody>
+      </p:sp>
+    </p:spTree>
+  </p:cSld>
+  <p:clrMapOvr>
+    <a:masterClrMapping/>
+  </p:clrMapOvr>
+</p:sld>
+</file>
+
+<file path=ppt/slides/slide17.xml><?xml version="1.0" encoding="utf-8"?>
+<p:sld xmlns:a="http://schemas.openxmlformats.org/drawingml/2006/main" xmlns:r="http://schemas.openxmlformats.org/officeDocument/2006/relationships" xmlns:p="http://schemas.openxmlformats.org/presentationml/2006/main">
+  <p:cSld>
+    <p:spTree>
+      <p:nvGrpSpPr>
+        <p:cNvPr id="1" name=""/>
+        <p:cNvGrpSpPr/>
+        <p:nvPr/>
+      </p:nvGrpSpPr>
+      <p:grpSpPr>
+        <a:xfrm>
+          <a:off x="0" y="0"/>
+          <a:ext cx="0" cy="0"/>
+          <a:chOff x="0" y="0"/>
+          <a:chExt cx="0" cy="0"/>
+        </a:xfrm>
+      </p:grpSpPr>
+      <p:sp>
+        <p:nvSpPr>
+          <p:cNvPr id="2" name="Title 1"/>
+          <p:cNvSpPr>
+            <a:spLocks noGrp="1"/>
+          </p:cNvSpPr>
+          <p:nvPr>
+            <p:ph type="title"/>
+          </p:nvPr>
+        </p:nvSpPr>
+        <p:spPr/>
+        <p:txBody>
+          <a:bodyPr/>
+          <a:lstStyle/>
+          <a:p>
+            <a:r>
+              <a:rPr lang="ru-RU" dirty="0" smtClean="0"/>
+              <a:t>Ссылки</a:t>
+            </a:r>
+            <a:endParaRPr lang="en-US" dirty="0"/>
+          </a:p>
+        </p:txBody>
+      </p:sp>
+      <p:sp>
+        <p:nvSpPr>
+          <p:cNvPr id="3" name="Content Placeholder 2"/>
+          <p:cNvSpPr>
+            <a:spLocks noGrp="1"/>
+          </p:cNvSpPr>
+          <p:nvPr>
+            <p:ph idx="1"/>
+          </p:nvPr>
+        </p:nvSpPr>
+        <p:spPr/>
+        <p:txBody>
+          <a:bodyPr/>
+          <a:lstStyle/>
+          <a:p>
+            <a:pPr>
+              <a:buNone/>
+            </a:pPr>
+            <a:r>
+              <a:rPr lang="en-US" dirty="0" smtClean="0">
+                <a:latin typeface="Consolas" pitchFamily="49" charset="0"/>
+                <a:cs typeface="Consolas" pitchFamily="49" charset="0"/>
+              </a:rPr>
+              <a:t>std::string a = “hello world”;</a:t>
+            </a:r>
+          </a:p>
+          <a:p>
+            <a:pPr>
+              <a:buNone/>
+            </a:pPr>
+            <a:r>
+              <a:rPr lang="en-US" dirty="0" smtClean="0">
+                <a:latin typeface="Consolas" pitchFamily="49" charset="0"/>
+                <a:cs typeface="Consolas" pitchFamily="49" charset="0"/>
+              </a:rPr>
+              <a:t>std::string&amp; </a:t>
+            </a:r>
+            <a:r>
+              <a:rPr lang="en-US" dirty="0" err="1" smtClean="0">
+                <a:latin typeface="Consolas" pitchFamily="49" charset="0"/>
+                <a:cs typeface="Consolas" pitchFamily="49" charset="0"/>
+              </a:rPr>
+              <a:t>ar</a:t>
+            </a:r>
+            <a:r>
+              <a:rPr lang="en-US" dirty="0" smtClean="0">
+                <a:latin typeface="Consolas" pitchFamily="49" charset="0"/>
+                <a:cs typeface="Consolas" pitchFamily="49" charset="0"/>
+              </a:rPr>
+              <a:t> = a;</a:t>
+            </a:r>
+          </a:p>
+          <a:p>
+            <a:pPr>
+              <a:buNone/>
+            </a:pPr>
+            <a:r>
+              <a:rPr lang="en-US" dirty="0" smtClean="0">
+                <a:latin typeface="Consolas" pitchFamily="49" charset="0"/>
+                <a:cs typeface="Consolas" pitchFamily="49" charset="0"/>
+              </a:rPr>
+              <a:t>const std::string&amp; </a:t>
+            </a:r>
+            <a:r>
+              <a:rPr lang="en-US" dirty="0" err="1" smtClean="0">
+                <a:latin typeface="Consolas" pitchFamily="49" charset="0"/>
+                <a:cs typeface="Consolas" pitchFamily="49" charset="0"/>
+              </a:rPr>
+              <a:t>acr</a:t>
+            </a:r>
+            <a:r>
+              <a:rPr lang="en-US" dirty="0" smtClean="0">
+                <a:latin typeface="Consolas" pitchFamily="49" charset="0"/>
+                <a:cs typeface="Consolas" pitchFamily="49" charset="0"/>
+              </a:rPr>
+              <a:t> = a;</a:t>
+            </a:r>
+          </a:p>
+          <a:p>
+            <a:pPr>
+              <a:buNone/>
+            </a:pPr>
+            <a:r>
+              <a:rPr lang="en-US" dirty="0" smtClean="0">
+                <a:latin typeface="Consolas" pitchFamily="49" charset="0"/>
+                <a:cs typeface="Consolas" pitchFamily="49" charset="0"/>
+              </a:rPr>
+              <a:t>std::string *</a:t>
+            </a:r>
+            <a:r>
+              <a:rPr lang="en-US" dirty="0" err="1" smtClean="0">
+                <a:latin typeface="Consolas" pitchFamily="49" charset="0"/>
+                <a:cs typeface="Consolas" pitchFamily="49" charset="0"/>
+              </a:rPr>
+              <a:t>ap</a:t>
+            </a:r>
+            <a:r>
+              <a:rPr lang="en-US" dirty="0" smtClean="0">
+                <a:latin typeface="Consolas" pitchFamily="49" charset="0"/>
+                <a:cs typeface="Consolas" pitchFamily="49" charset="0"/>
+              </a:rPr>
+              <a:t> = &amp;a;</a:t>
+            </a:r>
+          </a:p>
+          <a:p>
+            <a:pPr>
+              <a:buNone/>
+            </a:pPr>
+            <a:r>
+              <a:rPr lang="en-US" dirty="0" smtClean="0">
+                <a:latin typeface="Consolas" pitchFamily="49" charset="0"/>
+                <a:cs typeface="Consolas" pitchFamily="49" charset="0"/>
+              </a:rPr>
+              <a:t>std::string&amp; </a:t>
+            </a:r>
+            <a:r>
+              <a:rPr lang="en-US" dirty="0" err="1" smtClean="0">
+                <a:latin typeface="Consolas" pitchFamily="49" charset="0"/>
+                <a:cs typeface="Consolas" pitchFamily="49" charset="0"/>
+              </a:rPr>
+              <a:t>apr</a:t>
+            </a:r>
+            <a:r>
+              <a:rPr lang="en-US" dirty="0" smtClean="0">
+                <a:latin typeface="Consolas" pitchFamily="49" charset="0"/>
+                <a:cs typeface="Consolas" pitchFamily="49" charset="0"/>
+              </a:rPr>
+              <a:t> = *</a:t>
+            </a:r>
+            <a:r>
+              <a:rPr lang="en-US" dirty="0" err="1" smtClean="0">
+                <a:latin typeface="Consolas" pitchFamily="49" charset="0"/>
+                <a:cs typeface="Consolas" pitchFamily="49" charset="0"/>
+              </a:rPr>
+              <a:t>ap</a:t>
+            </a:r>
+            <a:r>
+              <a:rPr lang="en-US" dirty="0" smtClean="0">
+                <a:latin typeface="Consolas" pitchFamily="49" charset="0"/>
+                <a:cs typeface="Consolas" pitchFamily="49" charset="0"/>
+              </a:rPr>
+              <a:t>;</a:t>
+            </a:r>
+            <a:endParaRPr lang="en-US" dirty="0">
+              <a:latin typeface="Consolas" pitchFamily="49" charset="0"/>
+              <a:cs typeface="Consolas" pitchFamily="49" charset="0"/>
+            </a:endParaRPr>
+          </a:p>
+        </p:txBody>
+      </p:sp>
+    </p:spTree>
+  </p:cSld>
+  <p:clrMapOvr>
+    <a:masterClrMapping/>
+  </p:clrMapOvr>
+</p:sld>
+</file>
+
+<file path=ppt/slides/slide18.xml><?xml version="1.0" encoding="utf-8"?>
+<p:sld xmlns:a="http://schemas.openxmlformats.org/drawingml/2006/main" xmlns:r="http://schemas.openxmlformats.org/officeDocument/2006/relationships" xmlns:p="http://schemas.openxmlformats.org/presentationml/2006/main">
+  <p:cSld>
+    <p:spTree>
+      <p:nvGrpSpPr>
+        <p:cNvPr id="1" name=""/>
+        <p:cNvGrpSpPr/>
+        <p:nvPr/>
+      </p:nvGrpSpPr>
+      <p:grpSpPr>
+        <a:xfrm>
+          <a:off x="0" y="0"/>
+          <a:ext cx="0" cy="0"/>
+          <a:chOff x="0" y="0"/>
+          <a:chExt cx="0" cy="0"/>
+        </a:xfrm>
+      </p:grpSpPr>
+      <p:sp>
+        <p:nvSpPr>
+          <p:cNvPr id="2" name="Title 1"/>
+          <p:cNvSpPr>
+            <a:spLocks noGrp="1"/>
+          </p:cNvSpPr>
+          <p:nvPr>
+            <p:ph type="title"/>
+          </p:nvPr>
+        </p:nvSpPr>
+        <p:spPr/>
+        <p:txBody>
+          <a:bodyPr>
+            <a:noAutofit/>
+          </a:bodyPr>
+          <a:lstStyle/>
+          <a:p>
+            <a:r>
+              <a:rPr lang="ru-RU" sz="2800" dirty="0" smtClean="0"/>
+              <a:t>Системы ввода вывода, использование </a:t>
+            </a:r>
+            <a:r>
+              <a:rPr lang="en-US" sz="2800" dirty="0" smtClean="0"/>
+              <a:t>STL </a:t>
+            </a:r>
+            <a:r>
+              <a:rPr lang="ru-RU" sz="2800" dirty="0" smtClean="0"/>
+              <a:t>для решения простых задач. (</a:t>
+            </a:r>
+            <a:r>
+              <a:rPr lang="en-US" sz="2800" dirty="0" smtClean="0"/>
+              <a:t>vector, string, </a:t>
+            </a:r>
+            <a:r>
+              <a:rPr lang="en-US" sz="2800" dirty="0" err="1" smtClean="0"/>
+              <a:t>ofstream</a:t>
+            </a:r>
+            <a:r>
+              <a:rPr lang="en-US" sz="2800" dirty="0" smtClean="0"/>
+              <a:t>/</a:t>
+            </a:r>
+            <a:r>
+              <a:rPr lang="en-US" sz="2800" dirty="0" err="1" smtClean="0"/>
+              <a:t>ifstream</a:t>
+            </a:r>
+            <a:r>
+              <a:rPr lang="en-US" sz="2800" dirty="0" smtClean="0"/>
+              <a:t>, list, sort, </a:t>
+            </a:r>
+            <a:r>
+              <a:rPr lang="en-US" sz="2800" dirty="0" err="1" smtClean="0"/>
+              <a:t>iterator</a:t>
+            </a:r>
+            <a:r>
+              <a:rPr lang="en-US" sz="2800" dirty="0" smtClean="0"/>
+              <a:t>).</a:t>
+            </a:r>
+            <a:endParaRPr lang="en-US" sz="2800" dirty="0"/>
+          </a:p>
+        </p:txBody>
+      </p:sp>
+      <p:sp>
+        <p:nvSpPr>
+          <p:cNvPr id="3" name="Content Placeholder 2"/>
+          <p:cNvSpPr>
+            <a:spLocks noGrp="1"/>
+          </p:cNvSpPr>
+          <p:nvPr>
+            <p:ph idx="1"/>
+          </p:nvPr>
+        </p:nvSpPr>
+        <p:spPr/>
+        <p:txBody>
+          <a:bodyPr/>
+          <a:lstStyle/>
+          <a:p>
+            <a:r>
+              <a:rPr lang="en-US" dirty="0" smtClean="0"/>
+              <a:t>string</a:t>
+            </a:r>
+          </a:p>
+          <a:p>
+            <a:r>
+              <a:rPr lang="en-US" dirty="0" smtClean="0"/>
+              <a:t>vector</a:t>
+            </a:r>
+          </a:p>
+          <a:p>
+            <a:r>
+              <a:rPr lang="en-US" dirty="0" smtClean="0"/>
+              <a:t>std::</a:t>
+            </a:r>
+            <a:r>
+              <a:rPr lang="en-US" dirty="0" err="1" smtClean="0"/>
+              <a:t>cout</a:t>
+            </a:r>
+            <a:r>
+              <a:rPr lang="en-US" dirty="0" smtClean="0"/>
+              <a:t>, std::</a:t>
+            </a:r>
+            <a:r>
+              <a:rPr lang="en-US" dirty="0" err="1" smtClean="0"/>
+              <a:t>ifstream</a:t>
+            </a:r>
+            <a:r>
+              <a:rPr lang="en-US" dirty="0" smtClean="0"/>
+              <a:t>, std::</a:t>
+            </a:r>
+            <a:r>
+              <a:rPr lang="en-US" dirty="0" err="1" smtClean="0"/>
+              <a:t>ofstream</a:t>
+            </a:r>
+            <a:endParaRPr lang="en-US" dirty="0" smtClean="0"/>
+          </a:p>
+          <a:p>
+            <a:r>
+              <a:rPr lang="en-US" dirty="0" smtClean="0"/>
+              <a:t>std::list</a:t>
+            </a:r>
+          </a:p>
+          <a:p>
+            <a:r>
+              <a:rPr lang="en-US" dirty="0" smtClean="0"/>
+              <a:t>std::sort</a:t>
+            </a:r>
+          </a:p>
+          <a:p>
+            <a:r>
+              <a:rPr lang="en-US" dirty="0" smtClean="0"/>
+              <a:t>std::</a:t>
+            </a:r>
+            <a:r>
+              <a:rPr lang="en-US" dirty="0" err="1" smtClean="0"/>
+              <a:t>iterator</a:t>
+            </a:r>
+            <a:endParaRPr lang="en-US" dirty="0" smtClean="0"/>
+          </a:p>
+          <a:p>
+            <a:r>
+              <a:rPr lang="en-US" dirty="0" smtClean="0"/>
+              <a:t>std::</a:t>
+            </a:r>
+            <a:r>
+              <a:rPr lang="en-US" dirty="0" err="1" smtClean="0"/>
+              <a:t>const_iterator</a:t>
+            </a:r>
+            <a:endParaRPr lang="en-US" dirty="0"/>
+          </a:p>
+        </p:txBody>
+      </p:sp>
+    </p:spTree>
+  </p:cSld>
+  <p:clrMapOvr>
+    <a:masterClrMapping/>
+  </p:clrMapOvr>
+</p:sld>
+</file>
+
+<file path=ppt/slides/slide19.xml><?xml version="1.0" encoding="utf-8"?>
+<p:sld xmlns:a="http://schemas.openxmlformats.org/drawingml/2006/main" xmlns:r="http://schemas.openxmlformats.org/officeDocument/2006/relationships" xmlns:p="http://schemas.openxmlformats.org/presentationml/2006/main">
+  <p:cSld>
+    <p:spTree>
+      <p:nvGrpSpPr>
+        <p:cNvPr id="1" name=""/>
+        <p:cNvGrpSpPr/>
+        <p:nvPr/>
+      </p:nvGrpSpPr>
+      <p:grpSpPr>
+        <a:xfrm>
+          <a:off x="0" y="0"/>
+          <a:ext cx="0" cy="0"/>
+          <a:chOff x="0" y="0"/>
+          <a:chExt cx="0" cy="0"/>
+        </a:xfrm>
+      </p:grpSpPr>
+      <p:sp>
+        <p:nvSpPr>
+          <p:cNvPr id="2" name="Title 1"/>
+          <p:cNvSpPr>
+            <a:spLocks noGrp="1"/>
+          </p:cNvSpPr>
+          <p:nvPr>
+            <p:ph type="title"/>
+          </p:nvPr>
+        </p:nvSpPr>
+        <p:spPr/>
+        <p:txBody>
+          <a:bodyPr/>
+          <a:lstStyle/>
+          <a:p>
+            <a:r>
+              <a:rPr lang="en-US" dirty="0" smtClean="0"/>
+              <a:t>std::string</a:t>
+            </a:r>
+            <a:endParaRPr lang="en-US" dirty="0"/>
+          </a:p>
+        </p:txBody>
+      </p:sp>
+      <p:sp>
+        <p:nvSpPr>
+          <p:cNvPr id="3" name="Content Placeholder 2"/>
+          <p:cNvSpPr>
+            <a:spLocks noGrp="1"/>
+          </p:cNvSpPr>
+          <p:nvPr>
+            <p:ph idx="1"/>
+          </p:nvPr>
+        </p:nvSpPr>
+        <p:spPr/>
+        <p:txBody>
+          <a:bodyPr/>
+          <a:lstStyle/>
+          <a:p>
+            <a:r>
+              <a:rPr lang="en-US" dirty="0" smtClean="0"/>
+              <a:t>size()</a:t>
+            </a:r>
+          </a:p>
+          <a:p>
+            <a:r>
+              <a:rPr lang="en-US" dirty="0" smtClean="0"/>
+              <a:t>std::string::</a:t>
+            </a:r>
+            <a:r>
+              <a:rPr lang="en-US" dirty="0" err="1" smtClean="0"/>
+              <a:t>npos</a:t>
+            </a:r>
+            <a:r>
+              <a:rPr lang="en-US" dirty="0" smtClean="0"/>
+              <a:t>;</a:t>
+            </a:r>
+            <a:endParaRPr lang="en-US" dirty="0" smtClean="0"/>
+          </a:p>
+          <a:p>
+            <a:r>
+              <a:rPr lang="en-US" dirty="0" smtClean="0"/>
+              <a:t>find( “what” )</a:t>
+            </a:r>
+          </a:p>
+          <a:p>
+            <a:r>
+              <a:rPr lang="en-US" dirty="0" err="1" smtClean="0"/>
+              <a:t>c_str</a:t>
+            </a:r>
+            <a:r>
+              <a:rPr lang="en-US" dirty="0" smtClean="0"/>
+              <a:t>()</a:t>
+            </a:r>
+          </a:p>
+          <a:p>
+            <a:r>
+              <a:rPr lang="en-US" dirty="0" smtClean="0"/>
+              <a:t>swap()</a:t>
+            </a:r>
+          </a:p>
+          <a:p>
+            <a:r>
+              <a:rPr lang="en-US" dirty="0" err="1" smtClean="0"/>
+              <a:t>substr</a:t>
+            </a:r>
+            <a:r>
+              <a:rPr lang="en-US" dirty="0" smtClean="0"/>
+              <a:t>( index, count )</a:t>
+            </a:r>
+          </a:p>
+          <a:p>
+            <a:r>
+              <a:rPr lang="en-US" strike="sngStrike" dirty="0" smtClean="0"/>
+              <a:t>string += string + string + string + </a:t>
+            </a:r>
+            <a:r>
+              <a:rPr lang="en-US" strike="sngStrike" dirty="0" smtClean="0"/>
+              <a:t>string</a:t>
+            </a:r>
+            <a:r>
+              <a:rPr lang="en-US" strike="sngStrike" dirty="0" smtClean="0"/>
+              <a:t>;</a:t>
+            </a:r>
+          </a:p>
+        </p:txBody>
+      </p:sp>
+    </p:spTree>
+  </p:cSld>
+  <p:clrMapOvr>
+    <a:masterClrMapping/>
+  </p:clrMapOvr>
+</p:sld>
+</file>
+
 <file path=ppt/slides/slide2.xml><?xml version="1.0" encoding="utf-8"?>
 <p:sld xmlns:a="http://schemas.openxmlformats.org/drawingml/2006/main" xmlns:r="http://schemas.openxmlformats.org/officeDocument/2006/relationships" xmlns:p="http://schemas.openxmlformats.org/presentationml/2006/main">
   <p:cSld>
@@ -3348,6 +5127,1658 @@
               <a:rPr lang="en-US" dirty="0" smtClean="0"/>
               <a:t>.</a:t>
             </a:r>
+            <a:endParaRPr lang="en-US" dirty="0"/>
+          </a:p>
+        </p:txBody>
+      </p:sp>
+    </p:spTree>
+  </p:cSld>
+  <p:clrMapOvr>
+    <a:masterClrMapping/>
+  </p:clrMapOvr>
+</p:sld>
+</file>
+
+<file path=ppt/slides/slide20.xml><?xml version="1.0" encoding="utf-8"?>
+<p:sld xmlns:a="http://schemas.openxmlformats.org/drawingml/2006/main" xmlns:r="http://schemas.openxmlformats.org/officeDocument/2006/relationships" xmlns:p="http://schemas.openxmlformats.org/presentationml/2006/main">
+  <p:cSld>
+    <p:spTree>
+      <p:nvGrpSpPr>
+        <p:cNvPr id="1" name=""/>
+        <p:cNvGrpSpPr/>
+        <p:nvPr/>
+      </p:nvGrpSpPr>
+      <p:grpSpPr>
+        <a:xfrm>
+          <a:off x="0" y="0"/>
+          <a:ext cx="0" cy="0"/>
+          <a:chOff x="0" y="0"/>
+          <a:chExt cx="0" cy="0"/>
+        </a:xfrm>
+      </p:grpSpPr>
+      <p:sp>
+        <p:nvSpPr>
+          <p:cNvPr id="2" name="Title 1"/>
+          <p:cNvSpPr>
+            <a:spLocks noGrp="1"/>
+          </p:cNvSpPr>
+          <p:nvPr>
+            <p:ph type="title"/>
+          </p:nvPr>
+        </p:nvSpPr>
+        <p:spPr/>
+        <p:txBody>
+          <a:bodyPr/>
+          <a:lstStyle/>
+          <a:p>
+            <a:r>
+              <a:rPr lang="en-US" dirty="0" smtClean="0"/>
+              <a:t>std::vector</a:t>
+            </a:r>
+            <a:endParaRPr lang="en-US" dirty="0"/>
+          </a:p>
+        </p:txBody>
+      </p:sp>
+      <p:sp>
+        <p:nvSpPr>
+          <p:cNvPr id="3" name="Content Placeholder 2"/>
+          <p:cNvSpPr>
+            <a:spLocks noGrp="1"/>
+          </p:cNvSpPr>
+          <p:nvPr>
+            <p:ph idx="1"/>
+          </p:nvPr>
+        </p:nvSpPr>
+        <p:spPr/>
+        <p:txBody>
+          <a:bodyPr/>
+          <a:lstStyle/>
+          <a:p>
+            <a:r>
+              <a:rPr lang="en-US" dirty="0" smtClean="0"/>
+              <a:t>std::vector&lt; </a:t>
+            </a:r>
+            <a:r>
+              <a:rPr lang="en-US" dirty="0" err="1" smtClean="0"/>
+              <a:t>int</a:t>
+            </a:r>
+            <a:r>
+              <a:rPr lang="en-US" dirty="0" smtClean="0"/>
+              <a:t> &gt; </a:t>
+            </a:r>
+            <a:r>
+              <a:rPr lang="en-US" dirty="0" err="1" smtClean="0"/>
+              <a:t>int_array</a:t>
+            </a:r>
+            <a:r>
+              <a:rPr lang="en-US" dirty="0" smtClean="0"/>
+              <a:t>;</a:t>
+            </a:r>
+          </a:p>
+          <a:p>
+            <a:r>
+              <a:rPr lang="en-US" dirty="0" smtClean="0"/>
+              <a:t>size() / capacity()</a:t>
+            </a:r>
+          </a:p>
+          <a:p>
+            <a:r>
+              <a:rPr lang="en-US" dirty="0" smtClean="0"/>
+              <a:t>resize() / reserve()</a:t>
+            </a:r>
+          </a:p>
+          <a:p>
+            <a:r>
+              <a:rPr lang="en-US" dirty="0" smtClean="0"/>
+              <a:t>insert() / </a:t>
+            </a:r>
+            <a:r>
+              <a:rPr lang="en-US" dirty="0" err="1" smtClean="0"/>
+              <a:t>push_back</a:t>
+            </a:r>
+            <a:r>
+              <a:rPr lang="ru-RU" dirty="0" smtClean="0"/>
+              <a:t>()</a:t>
+            </a:r>
+            <a:endParaRPr lang="en-US" dirty="0" smtClean="0"/>
+          </a:p>
+          <a:p>
+            <a:r>
+              <a:rPr lang="en-US" dirty="0" smtClean="0"/>
+              <a:t>begin() / end()</a:t>
+            </a:r>
+          </a:p>
+          <a:p>
+            <a:r>
+              <a:rPr lang="en-US" dirty="0" smtClean="0"/>
+              <a:t>std::vector&lt; </a:t>
+            </a:r>
+            <a:r>
+              <a:rPr lang="en-US" dirty="0" err="1" smtClean="0"/>
+              <a:t>int</a:t>
+            </a:r>
+            <a:r>
+              <a:rPr lang="en-US" dirty="0" smtClean="0"/>
+              <a:t> </a:t>
+            </a:r>
+            <a:r>
+              <a:rPr lang="en-US" dirty="0" smtClean="0"/>
+              <a:t>&gt;::</a:t>
+            </a:r>
+            <a:r>
+              <a:rPr lang="en-US" dirty="0" err="1" smtClean="0"/>
+              <a:t>iterator</a:t>
+            </a:r>
+            <a:endParaRPr lang="en-US" dirty="0" smtClean="0"/>
+          </a:p>
+          <a:p>
+            <a:r>
+              <a:rPr lang="en-US" dirty="0" smtClean="0"/>
+              <a:t>std::vector&lt; </a:t>
+            </a:r>
+            <a:r>
+              <a:rPr lang="en-US" dirty="0" err="1" smtClean="0"/>
+              <a:t>int</a:t>
+            </a:r>
+            <a:r>
+              <a:rPr lang="en-US" dirty="0" smtClean="0"/>
+              <a:t> &gt;::</a:t>
+            </a:r>
+            <a:r>
+              <a:rPr lang="en-US" dirty="0" err="1" smtClean="0"/>
+              <a:t>const_iterator</a:t>
+            </a:r>
+            <a:endParaRPr lang="en-US" dirty="0" smtClean="0"/>
+          </a:p>
+          <a:p>
+            <a:endParaRPr lang="en-US" sz="2400" dirty="0" smtClean="0"/>
+          </a:p>
+          <a:p>
+            <a:endParaRPr lang="en-US" dirty="0" smtClean="0"/>
+          </a:p>
+          <a:p>
+            <a:endParaRPr lang="en-US" dirty="0"/>
+          </a:p>
+        </p:txBody>
+      </p:sp>
+    </p:spTree>
+  </p:cSld>
+  <p:clrMapOvr>
+    <a:masterClrMapping/>
+  </p:clrMapOvr>
+</p:sld>
+</file>
+
+<file path=ppt/slides/slide21.xml><?xml version="1.0" encoding="utf-8"?>
+<p:sld xmlns:a="http://schemas.openxmlformats.org/drawingml/2006/main" xmlns:r="http://schemas.openxmlformats.org/officeDocument/2006/relationships" xmlns:p="http://schemas.openxmlformats.org/presentationml/2006/main">
+  <p:cSld>
+    <p:spTree>
+      <p:nvGrpSpPr>
+        <p:cNvPr id="1" name=""/>
+        <p:cNvGrpSpPr/>
+        <p:nvPr/>
+      </p:nvGrpSpPr>
+      <p:grpSpPr>
+        <a:xfrm>
+          <a:off x="0" y="0"/>
+          <a:ext cx="0" cy="0"/>
+          <a:chOff x="0" y="0"/>
+          <a:chExt cx="0" cy="0"/>
+        </a:xfrm>
+      </p:grpSpPr>
+      <p:sp>
+        <p:nvSpPr>
+          <p:cNvPr id="2" name="Title 1"/>
+          <p:cNvSpPr>
+            <a:spLocks noGrp="1"/>
+          </p:cNvSpPr>
+          <p:nvPr>
+            <p:ph type="title"/>
+          </p:nvPr>
+        </p:nvSpPr>
+        <p:spPr/>
+        <p:txBody>
+          <a:bodyPr/>
+          <a:lstStyle/>
+          <a:p>
+            <a:r>
+              <a:rPr lang="en-US" dirty="0" smtClean="0"/>
+              <a:t>std::vector</a:t>
+            </a:r>
+            <a:endParaRPr lang="en-US" dirty="0"/>
+          </a:p>
+        </p:txBody>
+      </p:sp>
+      <p:sp>
+        <p:nvSpPr>
+          <p:cNvPr id="3" name="Content Placeholder 2"/>
+          <p:cNvSpPr>
+            <a:spLocks noGrp="1"/>
+          </p:cNvSpPr>
+          <p:nvPr>
+            <p:ph idx="1"/>
+          </p:nvPr>
+        </p:nvSpPr>
+        <p:spPr/>
+        <p:txBody>
+          <a:bodyPr>
+            <a:normAutofit/>
+          </a:bodyPr>
+          <a:lstStyle/>
+          <a:p>
+            <a:pPr>
+              <a:buNone/>
+            </a:pPr>
+            <a:r>
+              <a:rPr lang="en-US" sz="2000" dirty="0" smtClean="0">
+                <a:latin typeface="Consolas" pitchFamily="49" charset="0"/>
+                <a:cs typeface="Consolas" pitchFamily="49" charset="0"/>
+              </a:rPr>
+              <a:t>std::vector&lt; </a:t>
+            </a:r>
+            <a:r>
+              <a:rPr lang="en-US" sz="2000" dirty="0" err="1" smtClean="0">
+                <a:latin typeface="Consolas" pitchFamily="49" charset="0"/>
+                <a:cs typeface="Consolas" pitchFamily="49" charset="0"/>
+              </a:rPr>
+              <a:t>int</a:t>
+            </a:r>
+            <a:r>
+              <a:rPr lang="en-US" sz="2000" dirty="0" smtClean="0">
+                <a:latin typeface="Consolas" pitchFamily="49" charset="0"/>
+                <a:cs typeface="Consolas" pitchFamily="49" charset="0"/>
+              </a:rPr>
+              <a:t> &gt; vi( 10, 15 );</a:t>
+            </a:r>
+          </a:p>
+          <a:p>
+            <a:pPr>
+              <a:buNone/>
+            </a:pPr>
+            <a:endParaRPr lang="en-US" sz="2000" dirty="0" smtClean="0">
+              <a:latin typeface="Consolas" pitchFamily="49" charset="0"/>
+              <a:cs typeface="Consolas" pitchFamily="49" charset="0"/>
+            </a:endParaRPr>
+          </a:p>
+          <a:p>
+            <a:pPr>
+              <a:buNone/>
+            </a:pPr>
+            <a:r>
+              <a:rPr lang="en-US" sz="2000" dirty="0" err="1" smtClean="0">
+                <a:latin typeface="Consolas" pitchFamily="49" charset="0"/>
+                <a:cs typeface="Consolas" pitchFamily="49" charset="0"/>
+              </a:rPr>
+              <a:t>typedef</a:t>
+            </a:r>
+            <a:r>
+              <a:rPr lang="en-US" sz="2000" dirty="0" smtClean="0">
+                <a:latin typeface="Consolas" pitchFamily="49" charset="0"/>
+                <a:cs typeface="Consolas" pitchFamily="49" charset="0"/>
+              </a:rPr>
+              <a:t> std::vector&lt; </a:t>
+            </a:r>
+            <a:r>
+              <a:rPr lang="en-US" sz="2000" dirty="0" err="1" smtClean="0">
+                <a:latin typeface="Consolas" pitchFamily="49" charset="0"/>
+                <a:cs typeface="Consolas" pitchFamily="49" charset="0"/>
+              </a:rPr>
+              <a:t>int</a:t>
+            </a:r>
+            <a:r>
+              <a:rPr lang="en-US" sz="2000" dirty="0" smtClean="0">
+                <a:latin typeface="Consolas" pitchFamily="49" charset="0"/>
+                <a:cs typeface="Consolas" pitchFamily="49" charset="0"/>
+              </a:rPr>
+              <a:t> &gt;::</a:t>
+            </a:r>
+            <a:r>
+              <a:rPr lang="en-US" sz="2000" dirty="0" err="1" smtClean="0">
+                <a:latin typeface="Consolas" pitchFamily="49" charset="0"/>
+                <a:cs typeface="Consolas" pitchFamily="49" charset="0"/>
+              </a:rPr>
+              <a:t>const_iterator</a:t>
+            </a:r>
+            <a:r>
+              <a:rPr lang="en-US" sz="2000" dirty="0" smtClean="0">
+                <a:latin typeface="Consolas" pitchFamily="49" charset="0"/>
+                <a:cs typeface="Consolas" pitchFamily="49" charset="0"/>
+              </a:rPr>
+              <a:t> cit;</a:t>
+            </a:r>
+          </a:p>
+          <a:p>
+            <a:pPr>
+              <a:buNone/>
+            </a:pPr>
+            <a:r>
+              <a:rPr lang="en-US" sz="2000" dirty="0" smtClean="0">
+                <a:latin typeface="Consolas" pitchFamily="49" charset="0"/>
+                <a:cs typeface="Consolas" pitchFamily="49" charset="0"/>
+              </a:rPr>
+              <a:t>for( cit </a:t>
+            </a:r>
+            <a:r>
+              <a:rPr lang="en-US" sz="2000" dirty="0" err="1" smtClean="0">
+                <a:latin typeface="Consolas" pitchFamily="49" charset="0"/>
+                <a:cs typeface="Consolas" pitchFamily="49" charset="0"/>
+              </a:rPr>
+              <a:t>i</a:t>
+            </a:r>
+            <a:r>
+              <a:rPr lang="en-US" sz="2000" dirty="0" smtClean="0">
+                <a:latin typeface="Consolas" pitchFamily="49" charset="0"/>
+                <a:cs typeface="Consolas" pitchFamily="49" charset="0"/>
+              </a:rPr>
+              <a:t> = </a:t>
+            </a:r>
+            <a:r>
+              <a:rPr lang="en-US" sz="2000" dirty="0" err="1" smtClean="0">
+                <a:latin typeface="Consolas" pitchFamily="49" charset="0"/>
+                <a:cs typeface="Consolas" pitchFamily="49" charset="0"/>
+              </a:rPr>
+              <a:t>vi.begin</a:t>
+            </a:r>
+            <a:r>
+              <a:rPr lang="en-US" sz="2000" dirty="0" smtClean="0">
+                <a:latin typeface="Consolas" pitchFamily="49" charset="0"/>
+                <a:cs typeface="Consolas" pitchFamily="49" charset="0"/>
+              </a:rPr>
+              <a:t>() ; </a:t>
+            </a:r>
+            <a:r>
+              <a:rPr lang="en-US" sz="2000" dirty="0" err="1" smtClean="0">
+                <a:latin typeface="Consolas" pitchFamily="49" charset="0"/>
+                <a:cs typeface="Consolas" pitchFamily="49" charset="0"/>
+              </a:rPr>
+              <a:t>i</a:t>
+            </a:r>
+            <a:r>
+              <a:rPr lang="en-US" sz="2000" dirty="0" smtClean="0">
+                <a:latin typeface="Consolas" pitchFamily="49" charset="0"/>
+                <a:cs typeface="Consolas" pitchFamily="49" charset="0"/>
+              </a:rPr>
+              <a:t> != </a:t>
+            </a:r>
+            <a:r>
+              <a:rPr lang="en-US" sz="2000" dirty="0" err="1" smtClean="0">
+                <a:latin typeface="Consolas" pitchFamily="49" charset="0"/>
+                <a:cs typeface="Consolas" pitchFamily="49" charset="0"/>
+              </a:rPr>
+              <a:t>vi.end</a:t>
+            </a:r>
+            <a:r>
+              <a:rPr lang="en-US" sz="2000" dirty="0" smtClean="0">
+                <a:latin typeface="Consolas" pitchFamily="49" charset="0"/>
+                <a:cs typeface="Consolas" pitchFamily="49" charset="0"/>
+              </a:rPr>
+              <a:t>() ; ++</a:t>
+            </a:r>
+            <a:r>
+              <a:rPr lang="en-US" sz="2000" dirty="0" err="1" smtClean="0">
+                <a:latin typeface="Consolas" pitchFamily="49" charset="0"/>
+                <a:cs typeface="Consolas" pitchFamily="49" charset="0"/>
+              </a:rPr>
+              <a:t>i</a:t>
+            </a:r>
+            <a:r>
+              <a:rPr lang="en-US" sz="2000" dirty="0" smtClean="0">
+                <a:latin typeface="Consolas" pitchFamily="49" charset="0"/>
+                <a:cs typeface="Consolas" pitchFamily="49" charset="0"/>
+              </a:rPr>
+              <a:t> )</a:t>
+            </a:r>
+            <a:r>
+              <a:rPr lang="en-US" sz="2000" dirty="0" smtClean="0">
+                <a:latin typeface="Consolas" pitchFamily="49" charset="0"/>
+                <a:cs typeface="Consolas" pitchFamily="49" charset="0"/>
+              </a:rPr>
+              <a:t> </a:t>
+            </a:r>
+            <a:r>
+              <a:rPr lang="en-US" sz="2000" dirty="0" smtClean="0">
+                <a:latin typeface="Consolas" pitchFamily="49" charset="0"/>
+                <a:cs typeface="Consolas" pitchFamily="49" charset="0"/>
+              </a:rPr>
+              <a:t>{}</a:t>
+            </a:r>
+          </a:p>
+          <a:p>
+            <a:pPr>
+              <a:buNone/>
+            </a:pPr>
+            <a:endParaRPr lang="en-US" sz="2000" dirty="0" smtClean="0">
+              <a:latin typeface="Consolas" pitchFamily="49" charset="0"/>
+              <a:cs typeface="Consolas" pitchFamily="49" charset="0"/>
+            </a:endParaRPr>
+          </a:p>
+          <a:p>
+            <a:pPr>
+              <a:buNone/>
+            </a:pPr>
+            <a:r>
+              <a:rPr lang="en-US" sz="2000" dirty="0" err="1" smtClean="0">
+                <a:latin typeface="Consolas" pitchFamily="49" charset="0"/>
+                <a:cs typeface="Consolas" pitchFamily="49" charset="0"/>
+              </a:rPr>
+              <a:t>typedef</a:t>
+            </a:r>
+            <a:r>
+              <a:rPr lang="en-US" sz="2000" dirty="0" smtClean="0">
+                <a:latin typeface="Consolas" pitchFamily="49" charset="0"/>
+                <a:cs typeface="Consolas" pitchFamily="49" charset="0"/>
+              </a:rPr>
+              <a:t> </a:t>
+            </a:r>
+            <a:r>
+              <a:rPr lang="en-US" sz="2000" dirty="0" smtClean="0">
+                <a:latin typeface="Consolas" pitchFamily="49" charset="0"/>
+                <a:cs typeface="Consolas" pitchFamily="49" charset="0"/>
+              </a:rPr>
+              <a:t>std::vector&lt; </a:t>
+            </a:r>
+            <a:r>
+              <a:rPr lang="en-US" sz="2000" dirty="0" err="1" smtClean="0">
+                <a:latin typeface="Consolas" pitchFamily="49" charset="0"/>
+                <a:cs typeface="Consolas" pitchFamily="49" charset="0"/>
+              </a:rPr>
+              <a:t>int</a:t>
+            </a:r>
+            <a:r>
+              <a:rPr lang="en-US" sz="2000" dirty="0" smtClean="0">
+                <a:latin typeface="Consolas" pitchFamily="49" charset="0"/>
+                <a:cs typeface="Consolas" pitchFamily="49" charset="0"/>
+              </a:rPr>
+              <a:t> </a:t>
+            </a:r>
+            <a:r>
+              <a:rPr lang="en-US" sz="2000" dirty="0" smtClean="0">
+                <a:latin typeface="Consolas" pitchFamily="49" charset="0"/>
+                <a:cs typeface="Consolas" pitchFamily="49" charset="0"/>
+              </a:rPr>
+              <a:t>&gt;::</a:t>
+            </a:r>
+            <a:r>
+              <a:rPr lang="en-US" sz="2000" dirty="0" err="1" smtClean="0">
+                <a:latin typeface="Consolas" pitchFamily="49" charset="0"/>
+                <a:cs typeface="Consolas" pitchFamily="49" charset="0"/>
+              </a:rPr>
+              <a:t>iterator</a:t>
+            </a:r>
+            <a:r>
+              <a:rPr lang="en-US" sz="2000" dirty="0" smtClean="0">
+                <a:latin typeface="Consolas" pitchFamily="49" charset="0"/>
+                <a:cs typeface="Consolas" pitchFamily="49" charset="0"/>
+              </a:rPr>
+              <a:t> it;</a:t>
+            </a:r>
+            <a:endParaRPr lang="en-US" sz="2000" dirty="0" smtClean="0">
+              <a:latin typeface="Consolas" pitchFamily="49" charset="0"/>
+              <a:cs typeface="Consolas" pitchFamily="49" charset="0"/>
+            </a:endParaRPr>
+          </a:p>
+          <a:p>
+            <a:pPr>
+              <a:buNone/>
+            </a:pPr>
+            <a:r>
+              <a:rPr lang="en-US" sz="2000" dirty="0" smtClean="0">
+                <a:latin typeface="Consolas" pitchFamily="49" charset="0"/>
+                <a:cs typeface="Consolas" pitchFamily="49" charset="0"/>
+              </a:rPr>
+              <a:t>for( </a:t>
+            </a:r>
+            <a:r>
+              <a:rPr lang="en-US" sz="2000" dirty="0" smtClean="0">
+                <a:latin typeface="Consolas" pitchFamily="49" charset="0"/>
+                <a:cs typeface="Consolas" pitchFamily="49" charset="0"/>
+              </a:rPr>
+              <a:t>it </a:t>
+            </a:r>
+            <a:r>
+              <a:rPr lang="en-US" sz="2000" dirty="0" err="1" smtClean="0">
+                <a:latin typeface="Consolas" pitchFamily="49" charset="0"/>
+                <a:cs typeface="Consolas" pitchFamily="49" charset="0"/>
+              </a:rPr>
+              <a:t>i</a:t>
+            </a:r>
+            <a:r>
+              <a:rPr lang="en-US" sz="2000" dirty="0" smtClean="0">
+                <a:latin typeface="Consolas" pitchFamily="49" charset="0"/>
+                <a:cs typeface="Consolas" pitchFamily="49" charset="0"/>
+              </a:rPr>
+              <a:t> = </a:t>
+            </a:r>
+            <a:r>
+              <a:rPr lang="en-US" sz="2000" dirty="0" err="1" smtClean="0">
+                <a:latin typeface="Consolas" pitchFamily="49" charset="0"/>
+                <a:cs typeface="Consolas" pitchFamily="49" charset="0"/>
+              </a:rPr>
+              <a:t>vi.begin</a:t>
+            </a:r>
+            <a:r>
+              <a:rPr lang="en-US" sz="2000" dirty="0" smtClean="0">
+                <a:latin typeface="Consolas" pitchFamily="49" charset="0"/>
+                <a:cs typeface="Consolas" pitchFamily="49" charset="0"/>
+              </a:rPr>
+              <a:t>() ; </a:t>
+            </a:r>
+            <a:r>
+              <a:rPr lang="en-US" sz="2000" dirty="0" err="1" smtClean="0">
+                <a:latin typeface="Consolas" pitchFamily="49" charset="0"/>
+                <a:cs typeface="Consolas" pitchFamily="49" charset="0"/>
+              </a:rPr>
+              <a:t>i</a:t>
+            </a:r>
+            <a:r>
+              <a:rPr lang="en-US" sz="2000" dirty="0" smtClean="0">
+                <a:latin typeface="Consolas" pitchFamily="49" charset="0"/>
+                <a:cs typeface="Consolas" pitchFamily="49" charset="0"/>
+              </a:rPr>
+              <a:t> != </a:t>
+            </a:r>
+            <a:r>
+              <a:rPr lang="en-US" sz="2000" dirty="0" err="1" smtClean="0">
+                <a:latin typeface="Consolas" pitchFamily="49" charset="0"/>
+                <a:cs typeface="Consolas" pitchFamily="49" charset="0"/>
+              </a:rPr>
+              <a:t>vi.end</a:t>
+            </a:r>
+            <a:r>
+              <a:rPr lang="en-US" sz="2000" dirty="0" smtClean="0">
+                <a:latin typeface="Consolas" pitchFamily="49" charset="0"/>
+                <a:cs typeface="Consolas" pitchFamily="49" charset="0"/>
+              </a:rPr>
+              <a:t>() ; ++</a:t>
+            </a:r>
+            <a:r>
+              <a:rPr lang="en-US" sz="2000" dirty="0" err="1" smtClean="0">
+                <a:latin typeface="Consolas" pitchFamily="49" charset="0"/>
+                <a:cs typeface="Consolas" pitchFamily="49" charset="0"/>
+              </a:rPr>
+              <a:t>i</a:t>
+            </a:r>
+            <a:r>
+              <a:rPr lang="en-US" sz="2000" dirty="0" smtClean="0">
+                <a:latin typeface="Consolas" pitchFamily="49" charset="0"/>
+                <a:cs typeface="Consolas" pitchFamily="49" charset="0"/>
+              </a:rPr>
+              <a:t> ) </a:t>
+            </a:r>
+            <a:r>
+              <a:rPr lang="en-US" sz="2000" dirty="0" smtClean="0">
+                <a:latin typeface="Consolas" pitchFamily="49" charset="0"/>
+                <a:cs typeface="Consolas" pitchFamily="49" charset="0"/>
+              </a:rPr>
+              <a:t>{ *</a:t>
+            </a:r>
+            <a:r>
+              <a:rPr lang="en-US" sz="2000" dirty="0" err="1" smtClean="0">
+                <a:latin typeface="Consolas" pitchFamily="49" charset="0"/>
+                <a:cs typeface="Consolas" pitchFamily="49" charset="0"/>
+              </a:rPr>
+              <a:t>i</a:t>
+            </a:r>
+            <a:r>
+              <a:rPr lang="en-US" sz="2000" dirty="0" smtClean="0">
+                <a:latin typeface="Consolas" pitchFamily="49" charset="0"/>
+                <a:cs typeface="Consolas" pitchFamily="49" charset="0"/>
+              </a:rPr>
+              <a:t> = 4;}</a:t>
+            </a:r>
+            <a:endParaRPr lang="en-US" sz="2000" dirty="0" smtClean="0">
+              <a:latin typeface="Consolas" pitchFamily="49" charset="0"/>
+              <a:cs typeface="Consolas" pitchFamily="49" charset="0"/>
+            </a:endParaRPr>
+          </a:p>
+          <a:p>
+            <a:pPr>
+              <a:buNone/>
+            </a:pPr>
+            <a:endParaRPr lang="en-US" dirty="0" smtClean="0"/>
+          </a:p>
+          <a:p>
+            <a:pPr>
+              <a:buNone/>
+            </a:pPr>
+            <a:endParaRPr lang="en-US" dirty="0" smtClean="0"/>
+          </a:p>
+        </p:txBody>
+      </p:sp>
+    </p:spTree>
+  </p:cSld>
+  <p:clrMapOvr>
+    <a:masterClrMapping/>
+  </p:clrMapOvr>
+</p:sld>
+</file>
+
+<file path=ppt/slides/slide22.xml><?xml version="1.0" encoding="utf-8"?>
+<p:sld xmlns:a="http://schemas.openxmlformats.org/drawingml/2006/main" xmlns:r="http://schemas.openxmlformats.org/officeDocument/2006/relationships" xmlns:p="http://schemas.openxmlformats.org/presentationml/2006/main">
+  <p:cSld>
+    <p:spTree>
+      <p:nvGrpSpPr>
+        <p:cNvPr id="1" name=""/>
+        <p:cNvGrpSpPr/>
+        <p:nvPr/>
+      </p:nvGrpSpPr>
+      <p:grpSpPr>
+        <a:xfrm>
+          <a:off x="0" y="0"/>
+          <a:ext cx="0" cy="0"/>
+          <a:chOff x="0" y="0"/>
+          <a:chExt cx="0" cy="0"/>
+        </a:xfrm>
+      </p:grpSpPr>
+      <p:sp>
+        <p:nvSpPr>
+          <p:cNvPr id="2" name="Title 1"/>
+          <p:cNvSpPr>
+            <a:spLocks noGrp="1"/>
+          </p:cNvSpPr>
+          <p:nvPr>
+            <p:ph type="title"/>
+          </p:nvPr>
+        </p:nvSpPr>
+        <p:spPr/>
+        <p:txBody>
+          <a:bodyPr>
+            <a:normAutofit fontScale="90000"/>
+          </a:bodyPr>
+          <a:lstStyle/>
+          <a:p>
+            <a:r>
+              <a:rPr lang="en-US" dirty="0" smtClean="0"/>
+              <a:t>std::</a:t>
+            </a:r>
+            <a:r>
+              <a:rPr lang="en-US" dirty="0" err="1" smtClean="0"/>
+              <a:t>cout</a:t>
+            </a:r>
+            <a:r>
+              <a:rPr lang="en-US" dirty="0" smtClean="0"/>
+              <a:t>, std::</a:t>
+            </a:r>
+            <a:r>
+              <a:rPr lang="en-US" dirty="0" err="1" smtClean="0"/>
+              <a:t>ifstream</a:t>
+            </a:r>
+            <a:r>
+              <a:rPr lang="en-US" dirty="0" smtClean="0"/>
+              <a:t>, std::</a:t>
+            </a:r>
+            <a:r>
+              <a:rPr lang="en-US" dirty="0" err="1" smtClean="0"/>
+              <a:t>ofstream</a:t>
+            </a:r>
+            <a:endParaRPr lang="en-US" dirty="0"/>
+          </a:p>
+        </p:txBody>
+      </p:sp>
+      <p:sp>
+        <p:nvSpPr>
+          <p:cNvPr id="3" name="Content Placeholder 2"/>
+          <p:cNvSpPr>
+            <a:spLocks noGrp="1"/>
+          </p:cNvSpPr>
+          <p:nvPr>
+            <p:ph idx="1"/>
+          </p:nvPr>
+        </p:nvSpPr>
+        <p:spPr/>
+        <p:txBody>
+          <a:bodyPr/>
+          <a:lstStyle/>
+          <a:p>
+            <a:pPr>
+              <a:buNone/>
+            </a:pPr>
+            <a:r>
+              <a:rPr lang="en-US" sz="2400" dirty="0" smtClean="0">
+                <a:latin typeface="Consolas" pitchFamily="49" charset="0"/>
+                <a:cs typeface="Consolas" pitchFamily="49" charset="0"/>
+              </a:rPr>
+              <a:t>std::</a:t>
+            </a:r>
+            <a:r>
+              <a:rPr lang="en-US" sz="2400" dirty="0" err="1" smtClean="0">
+                <a:latin typeface="Consolas" pitchFamily="49" charset="0"/>
+                <a:cs typeface="Consolas" pitchFamily="49" charset="0"/>
+              </a:rPr>
+              <a:t>cout</a:t>
+            </a:r>
+            <a:r>
+              <a:rPr lang="en-US" sz="2400" dirty="0" smtClean="0">
+                <a:latin typeface="Consolas" pitchFamily="49" charset="0"/>
+                <a:cs typeface="Consolas" pitchFamily="49" charset="0"/>
+              </a:rPr>
+              <a:t> &lt;&lt; “Hello world” &lt;&lt; std::</a:t>
+            </a:r>
+            <a:r>
+              <a:rPr lang="en-US" sz="2400" dirty="0" err="1" smtClean="0">
+                <a:latin typeface="Consolas" pitchFamily="49" charset="0"/>
+                <a:cs typeface="Consolas" pitchFamily="49" charset="0"/>
+              </a:rPr>
+              <a:t>endl</a:t>
+            </a:r>
+            <a:r>
+              <a:rPr lang="en-US" sz="2400" dirty="0" smtClean="0">
+                <a:latin typeface="Consolas" pitchFamily="49" charset="0"/>
+                <a:cs typeface="Consolas" pitchFamily="49" charset="0"/>
+              </a:rPr>
+              <a:t>;</a:t>
+            </a:r>
+          </a:p>
+          <a:p>
+            <a:pPr>
+              <a:buNone/>
+            </a:pPr>
+            <a:endParaRPr lang="en-US" sz="2400" dirty="0" smtClean="0">
+              <a:latin typeface="Consolas" pitchFamily="49" charset="0"/>
+              <a:cs typeface="Consolas" pitchFamily="49" charset="0"/>
+            </a:endParaRPr>
+          </a:p>
+          <a:p>
+            <a:pPr>
+              <a:buNone/>
+            </a:pPr>
+            <a:r>
+              <a:rPr lang="en-US" sz="2400" dirty="0" smtClean="0">
+                <a:latin typeface="Consolas" pitchFamily="49" charset="0"/>
+                <a:cs typeface="Consolas" pitchFamily="49" charset="0"/>
+              </a:rPr>
+              <a:t>std::</a:t>
+            </a:r>
+            <a:r>
+              <a:rPr lang="en-US" sz="2400" dirty="0" err="1" smtClean="0">
+                <a:latin typeface="Consolas" pitchFamily="49" charset="0"/>
+                <a:cs typeface="Consolas" pitchFamily="49" charset="0"/>
+              </a:rPr>
+              <a:t>ifstream</a:t>
+            </a:r>
+            <a:r>
+              <a:rPr lang="en-US" sz="2400" dirty="0" smtClean="0">
+                <a:latin typeface="Consolas" pitchFamily="49" charset="0"/>
+                <a:cs typeface="Consolas" pitchFamily="49" charset="0"/>
+              </a:rPr>
+              <a:t> </a:t>
+            </a:r>
+            <a:r>
+              <a:rPr lang="en-US" sz="2400" dirty="0" err="1" smtClean="0">
+                <a:latin typeface="Consolas" pitchFamily="49" charset="0"/>
+                <a:cs typeface="Consolas" pitchFamily="49" charset="0"/>
+              </a:rPr>
+              <a:t>input_file</a:t>
+            </a:r>
+            <a:r>
+              <a:rPr lang="en-US" sz="2400" dirty="0" smtClean="0">
+                <a:latin typeface="Consolas" pitchFamily="49" charset="0"/>
+                <a:cs typeface="Consolas" pitchFamily="49" charset="0"/>
+              </a:rPr>
+              <a:t>( “</a:t>
+            </a:r>
+            <a:r>
+              <a:rPr lang="en-US" sz="2400" dirty="0" err="1" smtClean="0">
+                <a:latin typeface="Consolas" pitchFamily="49" charset="0"/>
+                <a:cs typeface="Consolas" pitchFamily="49" charset="0"/>
+              </a:rPr>
+              <a:t>infile_name</a:t>
+            </a:r>
+            <a:r>
+              <a:rPr lang="en-US" sz="2400" dirty="0" smtClean="0">
+                <a:latin typeface="Consolas" pitchFamily="49" charset="0"/>
+                <a:cs typeface="Consolas" pitchFamily="49" charset="0"/>
+              </a:rPr>
+              <a:t>” );</a:t>
+            </a:r>
+          </a:p>
+          <a:p>
+            <a:pPr>
+              <a:buNone/>
+            </a:pPr>
+            <a:endParaRPr lang="en-US" sz="2400" dirty="0" smtClean="0">
+              <a:latin typeface="Consolas" pitchFamily="49" charset="0"/>
+              <a:cs typeface="Consolas" pitchFamily="49" charset="0"/>
+            </a:endParaRPr>
+          </a:p>
+          <a:p>
+            <a:pPr>
+              <a:buNone/>
+            </a:pPr>
+            <a:r>
+              <a:rPr lang="en-US" sz="2400" dirty="0" smtClean="0">
+                <a:latin typeface="Consolas" pitchFamily="49" charset="0"/>
+                <a:cs typeface="Consolas" pitchFamily="49" charset="0"/>
+              </a:rPr>
+              <a:t>std</a:t>
+            </a:r>
+            <a:r>
+              <a:rPr lang="en-US" sz="2400" dirty="0" smtClean="0">
+                <a:latin typeface="Consolas" pitchFamily="49" charset="0"/>
+                <a:cs typeface="Consolas" pitchFamily="49" charset="0"/>
+              </a:rPr>
+              <a:t>::</a:t>
+            </a:r>
+            <a:r>
+              <a:rPr lang="en-US" sz="2400" dirty="0" err="1" smtClean="0">
+                <a:latin typeface="Consolas" pitchFamily="49" charset="0"/>
+                <a:cs typeface="Consolas" pitchFamily="49" charset="0"/>
+              </a:rPr>
+              <a:t>ofstream</a:t>
+            </a:r>
+            <a:r>
+              <a:rPr lang="en-US" sz="2400" dirty="0" smtClean="0">
+                <a:latin typeface="Consolas" pitchFamily="49" charset="0"/>
+                <a:cs typeface="Consolas" pitchFamily="49" charset="0"/>
+              </a:rPr>
+              <a:t> </a:t>
+            </a:r>
+            <a:r>
+              <a:rPr lang="en-US" sz="2400" dirty="0" err="1" smtClean="0">
+                <a:latin typeface="Consolas" pitchFamily="49" charset="0"/>
+                <a:cs typeface="Consolas" pitchFamily="49" charset="0"/>
+              </a:rPr>
+              <a:t>output_file</a:t>
+            </a:r>
+            <a:r>
+              <a:rPr lang="en-US" sz="2400" dirty="0" smtClean="0">
+                <a:latin typeface="Consolas" pitchFamily="49" charset="0"/>
+                <a:cs typeface="Consolas" pitchFamily="49" charset="0"/>
+              </a:rPr>
+              <a:t>( </a:t>
+            </a:r>
+            <a:r>
+              <a:rPr lang="en-US" sz="2400" dirty="0" smtClean="0">
+                <a:latin typeface="Consolas" pitchFamily="49" charset="0"/>
+                <a:cs typeface="Consolas" pitchFamily="49" charset="0"/>
+              </a:rPr>
+              <a:t>“</a:t>
+            </a:r>
+            <a:r>
+              <a:rPr lang="en-US" sz="2400" dirty="0" err="1" smtClean="0">
+                <a:latin typeface="Consolas" pitchFamily="49" charset="0"/>
+                <a:cs typeface="Consolas" pitchFamily="49" charset="0"/>
+              </a:rPr>
+              <a:t>outfile_name</a:t>
+            </a:r>
+            <a:r>
+              <a:rPr lang="en-US" sz="2400" dirty="0" smtClean="0">
+                <a:latin typeface="Consolas" pitchFamily="49" charset="0"/>
+                <a:cs typeface="Consolas" pitchFamily="49" charset="0"/>
+              </a:rPr>
+              <a:t>” );</a:t>
+            </a:r>
+          </a:p>
+          <a:p>
+            <a:pPr>
+              <a:buNone/>
+            </a:pPr>
+            <a:endParaRPr lang="en-US" dirty="0"/>
+          </a:p>
+        </p:txBody>
+      </p:sp>
+    </p:spTree>
+  </p:cSld>
+  <p:clrMapOvr>
+    <a:masterClrMapping/>
+  </p:clrMapOvr>
+</p:sld>
+</file>
+
+<file path=ppt/slides/slide23.xml><?xml version="1.0" encoding="utf-8"?>
+<p:sld xmlns:a="http://schemas.openxmlformats.org/drawingml/2006/main" xmlns:r="http://schemas.openxmlformats.org/officeDocument/2006/relationships" xmlns:p="http://schemas.openxmlformats.org/presentationml/2006/main">
+  <p:cSld>
+    <p:spTree>
+      <p:nvGrpSpPr>
+        <p:cNvPr id="1" name=""/>
+        <p:cNvGrpSpPr/>
+        <p:nvPr/>
+      </p:nvGrpSpPr>
+      <p:grpSpPr>
+        <a:xfrm>
+          <a:off x="0" y="0"/>
+          <a:ext cx="0" cy="0"/>
+          <a:chOff x="0" y="0"/>
+          <a:chExt cx="0" cy="0"/>
+        </a:xfrm>
+      </p:grpSpPr>
+      <p:sp>
+        <p:nvSpPr>
+          <p:cNvPr id="2" name="Title 1"/>
+          <p:cNvSpPr>
+            <a:spLocks noGrp="1"/>
+          </p:cNvSpPr>
+          <p:nvPr>
+            <p:ph type="title"/>
+          </p:nvPr>
+        </p:nvSpPr>
+        <p:spPr/>
+        <p:txBody>
+          <a:bodyPr/>
+          <a:lstStyle/>
+          <a:p>
+            <a:r>
+              <a:rPr lang="en-US" dirty="0" smtClean="0"/>
+              <a:t>std::list</a:t>
+            </a:r>
+            <a:endParaRPr lang="en-US" dirty="0"/>
+          </a:p>
+        </p:txBody>
+      </p:sp>
+      <p:sp>
+        <p:nvSpPr>
+          <p:cNvPr id="3" name="Content Placeholder 2"/>
+          <p:cNvSpPr>
+            <a:spLocks noGrp="1"/>
+          </p:cNvSpPr>
+          <p:nvPr>
+            <p:ph idx="1"/>
+          </p:nvPr>
+        </p:nvSpPr>
+        <p:spPr/>
+        <p:txBody>
+          <a:bodyPr/>
+          <a:lstStyle/>
+          <a:p>
+            <a:r>
+              <a:rPr lang="en-US" dirty="0" smtClean="0"/>
+              <a:t>size()</a:t>
+            </a:r>
+          </a:p>
+          <a:p>
+            <a:r>
+              <a:rPr lang="en-US" dirty="0" err="1" smtClean="0"/>
+              <a:t>push_back</a:t>
+            </a:r>
+            <a:r>
+              <a:rPr lang="en-US" dirty="0" smtClean="0"/>
+              <a:t>() / </a:t>
+            </a:r>
+            <a:r>
+              <a:rPr lang="en-US" dirty="0" err="1" smtClean="0"/>
+              <a:t>push_front</a:t>
+            </a:r>
+            <a:r>
+              <a:rPr lang="en-US" dirty="0" smtClean="0"/>
+              <a:t>()</a:t>
+            </a:r>
+          </a:p>
+          <a:p>
+            <a:r>
+              <a:rPr lang="en-US" dirty="0" err="1" smtClean="0"/>
+              <a:t>pop_back</a:t>
+            </a:r>
+            <a:r>
+              <a:rPr lang="en-US" dirty="0" smtClean="0"/>
+              <a:t>() / </a:t>
+            </a:r>
+            <a:r>
+              <a:rPr lang="en-US" dirty="0" err="1" smtClean="0"/>
+              <a:t>pop_front</a:t>
+            </a:r>
+            <a:r>
+              <a:rPr lang="en-US" dirty="0" smtClean="0"/>
+              <a:t>()</a:t>
+            </a:r>
+          </a:p>
+          <a:p>
+            <a:r>
+              <a:rPr lang="en-US" dirty="0" smtClean="0"/>
+              <a:t>begin() / end()</a:t>
+            </a:r>
+          </a:p>
+          <a:p>
+            <a:r>
+              <a:rPr lang="en-US" dirty="0" smtClean="0"/>
+              <a:t>splice()</a:t>
+            </a:r>
+          </a:p>
+          <a:p>
+            <a:r>
+              <a:rPr lang="en-US" dirty="0" smtClean="0"/>
+              <a:t>remove() / </a:t>
+            </a:r>
+            <a:r>
+              <a:rPr lang="en-US" dirty="0" err="1" smtClean="0"/>
+              <a:t>remove_if</a:t>
+            </a:r>
+            <a:r>
+              <a:rPr lang="en-US" dirty="0" smtClean="0"/>
+              <a:t>()</a:t>
+            </a:r>
+            <a:endParaRPr lang="en-US" dirty="0"/>
+          </a:p>
+        </p:txBody>
+      </p:sp>
+    </p:spTree>
+  </p:cSld>
+  <p:clrMapOvr>
+    <a:masterClrMapping/>
+  </p:clrMapOvr>
+</p:sld>
+</file>
+
+<file path=ppt/slides/slide24.xml><?xml version="1.0" encoding="utf-8"?>
+<p:sld xmlns:a="http://schemas.openxmlformats.org/drawingml/2006/main" xmlns:r="http://schemas.openxmlformats.org/officeDocument/2006/relationships" xmlns:p="http://schemas.openxmlformats.org/presentationml/2006/main">
+  <p:cSld>
+    <p:spTree>
+      <p:nvGrpSpPr>
+        <p:cNvPr id="1" name=""/>
+        <p:cNvGrpSpPr/>
+        <p:nvPr/>
+      </p:nvGrpSpPr>
+      <p:grpSpPr>
+        <a:xfrm>
+          <a:off x="0" y="0"/>
+          <a:ext cx="0" cy="0"/>
+          <a:chOff x="0" y="0"/>
+          <a:chExt cx="0" cy="0"/>
+        </a:xfrm>
+      </p:grpSpPr>
+      <p:sp>
+        <p:nvSpPr>
+          <p:cNvPr id="2" name="Title 1"/>
+          <p:cNvSpPr>
+            <a:spLocks noGrp="1"/>
+          </p:cNvSpPr>
+          <p:nvPr>
+            <p:ph type="title"/>
+          </p:nvPr>
+        </p:nvSpPr>
+        <p:spPr/>
+        <p:txBody>
+          <a:bodyPr/>
+          <a:lstStyle/>
+          <a:p>
+            <a:r>
+              <a:rPr lang="en-US" dirty="0" smtClean="0"/>
+              <a:t>std::</a:t>
+            </a:r>
+            <a:r>
+              <a:rPr lang="en-US" dirty="0" err="1" smtClean="0"/>
+              <a:t>iterator</a:t>
+            </a:r>
+            <a:endParaRPr lang="en-US" dirty="0"/>
+          </a:p>
+        </p:txBody>
+      </p:sp>
+      <p:sp>
+        <p:nvSpPr>
+          <p:cNvPr id="3" name="Content Placeholder 2"/>
+          <p:cNvSpPr>
+            <a:spLocks noGrp="1"/>
+          </p:cNvSpPr>
+          <p:nvPr>
+            <p:ph idx="1"/>
+          </p:nvPr>
+        </p:nvSpPr>
+        <p:spPr/>
+        <p:txBody>
+          <a:bodyPr>
+            <a:normAutofit fontScale="92500" lnSpcReduction="10000"/>
+          </a:bodyPr>
+          <a:lstStyle/>
+          <a:p>
+            <a:pPr>
+              <a:buNone/>
+            </a:pPr>
+            <a:r>
+              <a:rPr lang="en-US" sz="2600" dirty="0" smtClean="0">
+                <a:hlinkClick r:id="rId2"/>
+              </a:rPr>
+              <a:t>http://www.cplusplus.com/reference/iterator/iterator/</a:t>
+            </a:r>
+            <a:endParaRPr lang="en-US" sz="2600" dirty="0" smtClean="0"/>
+          </a:p>
+          <a:p>
+            <a:pPr>
+              <a:buNone/>
+            </a:pPr>
+            <a:r>
+              <a:rPr lang="en-US" sz="2600" dirty="0" smtClean="0">
+                <a:hlinkClick r:id="rId3"/>
+              </a:rPr>
+              <a:t>http://www.cplusplus.com/reference/iterator/iterator_traits/</a:t>
+            </a:r>
+            <a:endParaRPr lang="en-US" sz="2600" dirty="0" smtClean="0"/>
+          </a:p>
+          <a:p>
+            <a:pPr>
+              <a:buNone/>
+            </a:pPr>
+            <a:endParaRPr lang="en-US" sz="2600" dirty="0" smtClean="0"/>
+          </a:p>
+          <a:p>
+            <a:pPr>
+              <a:buNone/>
+            </a:pPr>
+            <a:r>
+              <a:rPr lang="en-US" dirty="0" smtClean="0">
+                <a:latin typeface="Consolas" pitchFamily="49" charset="0"/>
+                <a:cs typeface="Consolas" pitchFamily="49" charset="0"/>
+              </a:rPr>
+              <a:t>std::vector&lt; </a:t>
+            </a:r>
+            <a:r>
+              <a:rPr lang="en-US" dirty="0" err="1" smtClean="0">
+                <a:latin typeface="Consolas" pitchFamily="49" charset="0"/>
+                <a:cs typeface="Consolas" pitchFamily="49" charset="0"/>
+              </a:rPr>
+              <a:t>int</a:t>
+            </a:r>
+            <a:r>
+              <a:rPr lang="en-US" dirty="0" smtClean="0">
+                <a:latin typeface="Consolas" pitchFamily="49" charset="0"/>
+                <a:cs typeface="Consolas" pitchFamily="49" charset="0"/>
+              </a:rPr>
+              <a:t> &gt; vi;</a:t>
+            </a:r>
+          </a:p>
+          <a:p>
+            <a:pPr>
+              <a:buNone/>
+            </a:pPr>
+            <a:r>
+              <a:rPr lang="en-US" dirty="0" err="1" smtClean="0">
+                <a:latin typeface="Consolas" pitchFamily="49" charset="0"/>
+                <a:cs typeface="Consolas" pitchFamily="49" charset="0"/>
+              </a:rPr>
+              <a:t>vi.begin</a:t>
+            </a:r>
+            <a:r>
+              <a:rPr lang="en-US" dirty="0" smtClean="0">
+                <a:latin typeface="Consolas" pitchFamily="49" charset="0"/>
+                <a:cs typeface="Consolas" pitchFamily="49" charset="0"/>
+              </a:rPr>
+              <a:t>();</a:t>
+            </a:r>
+          </a:p>
+          <a:p>
+            <a:pPr>
+              <a:buNone/>
+            </a:pPr>
+            <a:r>
+              <a:rPr lang="en-US" dirty="0" err="1" smtClean="0">
+                <a:latin typeface="Consolas" pitchFamily="49" charset="0"/>
+                <a:cs typeface="Consolas" pitchFamily="49" charset="0"/>
+              </a:rPr>
+              <a:t>vi.end</a:t>
+            </a:r>
+            <a:r>
+              <a:rPr lang="en-US" dirty="0" smtClean="0">
+                <a:latin typeface="Consolas" pitchFamily="49" charset="0"/>
+                <a:cs typeface="Consolas" pitchFamily="49" charset="0"/>
+              </a:rPr>
+              <a:t>();</a:t>
+            </a:r>
+          </a:p>
+          <a:p>
+            <a:pPr>
+              <a:buNone/>
+            </a:pPr>
+            <a:endParaRPr lang="en-US" dirty="0" smtClean="0">
+              <a:latin typeface="Consolas" pitchFamily="49" charset="0"/>
+              <a:cs typeface="Consolas" pitchFamily="49" charset="0"/>
+            </a:endParaRPr>
+          </a:p>
+          <a:p>
+            <a:pPr>
+              <a:buNone/>
+            </a:pPr>
+            <a:r>
+              <a:rPr lang="en-US" dirty="0" err="1" smtClean="0">
+                <a:latin typeface="Consolas" pitchFamily="49" charset="0"/>
+                <a:cs typeface="Consolas" pitchFamily="49" charset="0"/>
+              </a:rPr>
+              <a:t>vi.rbegin</a:t>
+            </a:r>
+            <a:r>
+              <a:rPr lang="en-US" dirty="0" smtClean="0">
+                <a:latin typeface="Consolas" pitchFamily="49" charset="0"/>
+                <a:cs typeface="Consolas" pitchFamily="49" charset="0"/>
+              </a:rPr>
+              <a:t>();</a:t>
+            </a:r>
+          </a:p>
+          <a:p>
+            <a:pPr>
+              <a:buNone/>
+            </a:pPr>
+            <a:r>
+              <a:rPr lang="en-US" dirty="0" err="1" smtClean="0">
+                <a:latin typeface="Consolas" pitchFamily="49" charset="0"/>
+                <a:cs typeface="Consolas" pitchFamily="49" charset="0"/>
+              </a:rPr>
+              <a:t>vi.rend</a:t>
+            </a:r>
+            <a:r>
+              <a:rPr lang="en-US" dirty="0" smtClean="0">
+                <a:latin typeface="Consolas" pitchFamily="49" charset="0"/>
+                <a:cs typeface="Consolas" pitchFamily="49" charset="0"/>
+              </a:rPr>
+              <a:t>();</a:t>
+            </a:r>
+          </a:p>
+        </p:txBody>
+      </p:sp>
+    </p:spTree>
+  </p:cSld>
+  <p:clrMapOvr>
+    <a:masterClrMapping/>
+  </p:clrMapOvr>
+</p:sld>
+</file>
+
+<file path=ppt/slides/slide25.xml><?xml version="1.0" encoding="utf-8"?>
+<p:sld xmlns:a="http://schemas.openxmlformats.org/drawingml/2006/main" xmlns:r="http://schemas.openxmlformats.org/officeDocument/2006/relationships" xmlns:p="http://schemas.openxmlformats.org/presentationml/2006/main">
+  <p:cSld>
+    <p:spTree>
+      <p:nvGrpSpPr>
+        <p:cNvPr id="1" name=""/>
+        <p:cNvGrpSpPr/>
+        <p:nvPr/>
+      </p:nvGrpSpPr>
+      <p:grpSpPr>
+        <a:xfrm>
+          <a:off x="0" y="0"/>
+          <a:ext cx="0" cy="0"/>
+          <a:chOff x="0" y="0"/>
+          <a:chExt cx="0" cy="0"/>
+        </a:xfrm>
+      </p:grpSpPr>
+      <p:sp>
+        <p:nvSpPr>
+          <p:cNvPr id="2" name="Title 1"/>
+          <p:cNvSpPr>
+            <a:spLocks noGrp="1"/>
+          </p:cNvSpPr>
+          <p:nvPr>
+            <p:ph type="title"/>
+          </p:nvPr>
+        </p:nvSpPr>
+        <p:spPr/>
+        <p:txBody>
+          <a:bodyPr/>
+          <a:lstStyle/>
+          <a:p>
+            <a:r>
+              <a:rPr lang="en-US" dirty="0" smtClean="0"/>
+              <a:t>std::sort</a:t>
+            </a:r>
+            <a:endParaRPr lang="en-US" dirty="0"/>
+          </a:p>
+        </p:txBody>
+      </p:sp>
+      <p:sp>
+        <p:nvSpPr>
+          <p:cNvPr id="3" name="Content Placeholder 2"/>
+          <p:cNvSpPr>
+            <a:spLocks noGrp="1"/>
+          </p:cNvSpPr>
+          <p:nvPr>
+            <p:ph idx="1"/>
+          </p:nvPr>
+        </p:nvSpPr>
+        <p:spPr/>
+        <p:txBody>
+          <a:bodyPr>
+            <a:normAutofit/>
+          </a:bodyPr>
+          <a:lstStyle/>
+          <a:p>
+            <a:pPr>
+              <a:buNone/>
+            </a:pPr>
+            <a:r>
+              <a:rPr lang="en-US" sz="1600" dirty="0" smtClean="0">
+                <a:latin typeface="Consolas" pitchFamily="49" charset="0"/>
+                <a:cs typeface="Consolas" pitchFamily="49" charset="0"/>
+              </a:rPr>
+              <a:t>// template </a:t>
+            </a:r>
+            <a:r>
+              <a:rPr lang="en-US" sz="1600" dirty="0" smtClean="0">
+                <a:latin typeface="Consolas" pitchFamily="49" charset="0"/>
+                <a:cs typeface="Consolas" pitchFamily="49" charset="0"/>
+              </a:rPr>
+              <a:t>&lt;class </a:t>
+            </a:r>
+            <a:r>
+              <a:rPr lang="en-US" sz="1600" dirty="0" err="1" smtClean="0">
+                <a:latin typeface="Consolas" pitchFamily="49" charset="0"/>
+                <a:cs typeface="Consolas" pitchFamily="49" charset="0"/>
+              </a:rPr>
+              <a:t>RandomAccessIterator</a:t>
+            </a:r>
+            <a:r>
+              <a:rPr lang="en-US" sz="1600" dirty="0" smtClean="0">
+                <a:latin typeface="Consolas" pitchFamily="49" charset="0"/>
+                <a:cs typeface="Consolas" pitchFamily="49" charset="0"/>
+              </a:rPr>
+              <a:t>&gt; </a:t>
+            </a:r>
+            <a:endParaRPr lang="en-US" sz="1600" dirty="0" smtClean="0">
+              <a:latin typeface="Consolas" pitchFamily="49" charset="0"/>
+              <a:cs typeface="Consolas" pitchFamily="49" charset="0"/>
+            </a:endParaRPr>
+          </a:p>
+          <a:p>
+            <a:pPr>
+              <a:buNone/>
+            </a:pPr>
+            <a:r>
+              <a:rPr lang="en-US" sz="1600" dirty="0" smtClean="0">
+                <a:latin typeface="Consolas" pitchFamily="49" charset="0"/>
+                <a:cs typeface="Consolas" pitchFamily="49" charset="0"/>
+              </a:rPr>
+              <a:t>// void </a:t>
+            </a:r>
+            <a:r>
+              <a:rPr lang="en-US" sz="1600" dirty="0" smtClean="0">
+                <a:latin typeface="Consolas" pitchFamily="49" charset="0"/>
+                <a:cs typeface="Consolas" pitchFamily="49" charset="0"/>
+              </a:rPr>
+              <a:t>sort (</a:t>
+            </a:r>
+            <a:r>
+              <a:rPr lang="en-US" sz="1600" dirty="0" err="1" smtClean="0">
+                <a:latin typeface="Consolas" pitchFamily="49" charset="0"/>
+                <a:cs typeface="Consolas" pitchFamily="49" charset="0"/>
+              </a:rPr>
+              <a:t>RandomAccessIterator</a:t>
+            </a:r>
+            <a:r>
+              <a:rPr lang="en-US" sz="1600" dirty="0" smtClean="0">
+                <a:latin typeface="Consolas" pitchFamily="49" charset="0"/>
+                <a:cs typeface="Consolas" pitchFamily="49" charset="0"/>
+              </a:rPr>
+              <a:t> first, </a:t>
+            </a:r>
+            <a:r>
+              <a:rPr lang="en-US" sz="1600" dirty="0" err="1" smtClean="0">
+                <a:latin typeface="Consolas" pitchFamily="49" charset="0"/>
+                <a:cs typeface="Consolas" pitchFamily="49" charset="0"/>
+              </a:rPr>
+              <a:t>RandomAccessIterator</a:t>
+            </a:r>
+            <a:r>
+              <a:rPr lang="en-US" sz="1600" dirty="0" smtClean="0">
+                <a:latin typeface="Consolas" pitchFamily="49" charset="0"/>
+                <a:cs typeface="Consolas" pitchFamily="49" charset="0"/>
+              </a:rPr>
+              <a:t> last</a:t>
+            </a:r>
+            <a:r>
+              <a:rPr lang="en-US" sz="1600" dirty="0" smtClean="0">
+                <a:latin typeface="Consolas" pitchFamily="49" charset="0"/>
+                <a:cs typeface="Consolas" pitchFamily="49" charset="0"/>
+              </a:rPr>
+              <a:t>);</a:t>
+            </a:r>
+          </a:p>
+          <a:p>
+            <a:pPr>
+              <a:buNone/>
+            </a:pPr>
+            <a:endParaRPr lang="en-US" sz="1600" dirty="0" smtClean="0">
+              <a:latin typeface="Consolas" pitchFamily="49" charset="0"/>
+              <a:cs typeface="Consolas" pitchFamily="49" charset="0"/>
+            </a:endParaRPr>
+          </a:p>
+          <a:p>
+            <a:pPr>
+              <a:buNone/>
+            </a:pPr>
+            <a:endParaRPr lang="en-US" sz="1600" dirty="0" smtClean="0">
+              <a:latin typeface="Consolas" pitchFamily="49" charset="0"/>
+              <a:cs typeface="Consolas" pitchFamily="49" charset="0"/>
+            </a:endParaRPr>
+          </a:p>
+          <a:p>
+            <a:pPr>
+              <a:buNone/>
+            </a:pPr>
+            <a:r>
+              <a:rPr lang="en-US" sz="1600" dirty="0" smtClean="0">
+                <a:latin typeface="Consolas" pitchFamily="49" charset="0"/>
+                <a:cs typeface="Consolas" pitchFamily="49" charset="0"/>
+              </a:rPr>
+              <a:t>std::vector&lt; </a:t>
+            </a:r>
+            <a:r>
+              <a:rPr lang="en-US" sz="1600" dirty="0" err="1" smtClean="0">
+                <a:latin typeface="Consolas" pitchFamily="49" charset="0"/>
+                <a:cs typeface="Consolas" pitchFamily="49" charset="0"/>
+              </a:rPr>
+              <a:t>int</a:t>
+            </a:r>
+            <a:r>
+              <a:rPr lang="en-US" sz="1600" dirty="0" smtClean="0">
+                <a:latin typeface="Consolas" pitchFamily="49" charset="0"/>
+                <a:cs typeface="Consolas" pitchFamily="49" charset="0"/>
+              </a:rPr>
+              <a:t> &gt; vi;</a:t>
+            </a:r>
+          </a:p>
+          <a:p>
+            <a:pPr>
+              <a:buNone/>
+            </a:pPr>
+            <a:r>
+              <a:rPr lang="en-US" sz="1600" dirty="0" smtClean="0">
+                <a:latin typeface="Consolas" pitchFamily="49" charset="0"/>
+                <a:cs typeface="Consolas" pitchFamily="49" charset="0"/>
+              </a:rPr>
+              <a:t>std::sort( </a:t>
+            </a:r>
+            <a:r>
+              <a:rPr lang="en-US" sz="1600" dirty="0" err="1" smtClean="0">
+                <a:latin typeface="Consolas" pitchFamily="49" charset="0"/>
+                <a:cs typeface="Consolas" pitchFamily="49" charset="0"/>
+              </a:rPr>
+              <a:t>vi.begin</a:t>
+            </a:r>
+            <a:r>
+              <a:rPr lang="en-US" sz="1600" dirty="0" smtClean="0">
+                <a:latin typeface="Consolas" pitchFamily="49" charset="0"/>
+                <a:cs typeface="Consolas" pitchFamily="49" charset="0"/>
+              </a:rPr>
+              <a:t>(), </a:t>
+            </a:r>
+            <a:r>
+              <a:rPr lang="en-US" sz="1600" dirty="0" err="1" smtClean="0">
+                <a:latin typeface="Consolas" pitchFamily="49" charset="0"/>
+                <a:cs typeface="Consolas" pitchFamily="49" charset="0"/>
+              </a:rPr>
+              <a:t>vi.end</a:t>
+            </a:r>
+            <a:r>
+              <a:rPr lang="en-US" sz="1600" dirty="0" smtClean="0">
+                <a:latin typeface="Consolas" pitchFamily="49" charset="0"/>
+                <a:cs typeface="Consolas" pitchFamily="49" charset="0"/>
+              </a:rPr>
+              <a:t>() );</a:t>
+            </a:r>
+          </a:p>
+          <a:p>
+            <a:pPr>
+              <a:buNone/>
+            </a:pPr>
+            <a:endParaRPr lang="en-US" sz="1600" dirty="0" smtClean="0">
+              <a:latin typeface="Consolas" pitchFamily="49" charset="0"/>
+              <a:cs typeface="Consolas" pitchFamily="49" charset="0"/>
+            </a:endParaRPr>
+          </a:p>
+          <a:p>
+            <a:pPr>
+              <a:buNone/>
+            </a:pPr>
+            <a:endParaRPr lang="en-US" sz="1600" dirty="0" smtClean="0">
+              <a:latin typeface="Consolas" pitchFamily="49" charset="0"/>
+              <a:cs typeface="Consolas" pitchFamily="49" charset="0"/>
+            </a:endParaRPr>
+          </a:p>
+          <a:p>
+            <a:pPr>
+              <a:buNone/>
+            </a:pPr>
+            <a:r>
+              <a:rPr lang="en-US" sz="1600" dirty="0" err="1" smtClean="0">
+                <a:latin typeface="Consolas" pitchFamily="49" charset="0"/>
+                <a:cs typeface="Consolas" pitchFamily="49" charset="0"/>
+              </a:rPr>
+              <a:t>int</a:t>
+            </a:r>
+            <a:r>
+              <a:rPr lang="en-US" sz="1600" dirty="0" smtClean="0">
+                <a:latin typeface="Consolas" pitchFamily="49" charset="0"/>
+                <a:cs typeface="Consolas" pitchFamily="49" charset="0"/>
+              </a:rPr>
+              <a:t> </a:t>
+            </a:r>
+            <a:r>
+              <a:rPr lang="en-US" sz="1600" dirty="0" err="1" smtClean="0">
+                <a:latin typeface="Consolas" pitchFamily="49" charset="0"/>
+                <a:cs typeface="Consolas" pitchFamily="49" charset="0"/>
+              </a:rPr>
+              <a:t>arr</a:t>
+            </a:r>
+            <a:r>
+              <a:rPr lang="en-US" sz="1600" dirty="0" smtClean="0">
+                <a:latin typeface="Consolas" pitchFamily="49" charset="0"/>
+                <a:cs typeface="Consolas" pitchFamily="49" charset="0"/>
+              </a:rPr>
+              <a:t>[ 10 ];</a:t>
+            </a:r>
+          </a:p>
+          <a:p>
+            <a:pPr>
+              <a:buNone/>
+            </a:pPr>
+            <a:r>
+              <a:rPr lang="en-US" sz="1600" dirty="0" smtClean="0">
+                <a:latin typeface="Consolas" pitchFamily="49" charset="0"/>
+                <a:cs typeface="Consolas" pitchFamily="49" charset="0"/>
+              </a:rPr>
+              <a:t>std::</a:t>
+            </a:r>
+            <a:r>
+              <a:rPr lang="en-US" sz="1600" dirty="0" smtClean="0">
+                <a:latin typeface="Consolas" pitchFamily="49" charset="0"/>
+                <a:cs typeface="Consolas" pitchFamily="49" charset="0"/>
+              </a:rPr>
+              <a:t>sort( &amp;</a:t>
+            </a:r>
+            <a:r>
+              <a:rPr lang="en-US" sz="1600" dirty="0" err="1" smtClean="0">
+                <a:latin typeface="Consolas" pitchFamily="49" charset="0"/>
+                <a:cs typeface="Consolas" pitchFamily="49" charset="0"/>
+              </a:rPr>
+              <a:t>arr</a:t>
+            </a:r>
+            <a:r>
+              <a:rPr lang="en-US" sz="1600" dirty="0" smtClean="0">
+                <a:latin typeface="Consolas" pitchFamily="49" charset="0"/>
+                <a:cs typeface="Consolas" pitchFamily="49" charset="0"/>
+              </a:rPr>
+              <a:t>[ 0 ], &amp;</a:t>
+            </a:r>
+            <a:r>
+              <a:rPr lang="en-US" sz="1600" dirty="0" err="1" smtClean="0">
+                <a:latin typeface="Consolas" pitchFamily="49" charset="0"/>
+                <a:cs typeface="Consolas" pitchFamily="49" charset="0"/>
+              </a:rPr>
+              <a:t>arr</a:t>
+            </a:r>
+            <a:r>
+              <a:rPr lang="en-US" sz="1600" dirty="0" smtClean="0">
+                <a:latin typeface="Consolas" pitchFamily="49" charset="0"/>
+                <a:cs typeface="Consolas" pitchFamily="49" charset="0"/>
+              </a:rPr>
+              <a:t>[ 10 ] </a:t>
+            </a:r>
+            <a:r>
+              <a:rPr lang="en-US" sz="1600" dirty="0" smtClean="0">
+                <a:latin typeface="Consolas" pitchFamily="49" charset="0"/>
+                <a:cs typeface="Consolas" pitchFamily="49" charset="0"/>
+              </a:rPr>
+              <a:t>);</a:t>
+            </a:r>
+          </a:p>
+          <a:p>
+            <a:pPr>
+              <a:buNone/>
+            </a:pPr>
+            <a:endParaRPr lang="en-US" sz="1600" dirty="0">
+              <a:latin typeface="Consolas" pitchFamily="49" charset="0"/>
+              <a:cs typeface="Consolas" pitchFamily="49" charset="0"/>
+            </a:endParaRPr>
+          </a:p>
+        </p:txBody>
+      </p:sp>
+    </p:spTree>
+  </p:cSld>
+  <p:clrMapOvr>
+    <a:masterClrMapping/>
+  </p:clrMapOvr>
+</p:sld>
+</file>
+
+<file path=ppt/slides/slide26.xml><?xml version="1.0" encoding="utf-8"?>
+<p:sld xmlns:a="http://schemas.openxmlformats.org/drawingml/2006/main" xmlns:r="http://schemas.openxmlformats.org/officeDocument/2006/relationships" xmlns:p="http://schemas.openxmlformats.org/presentationml/2006/main">
+  <p:cSld>
+    <p:spTree>
+      <p:nvGrpSpPr>
+        <p:cNvPr id="1" name=""/>
+        <p:cNvGrpSpPr/>
+        <p:nvPr/>
+      </p:nvGrpSpPr>
+      <p:grpSpPr>
+        <a:xfrm>
+          <a:off x="0" y="0"/>
+          <a:ext cx="0" cy="0"/>
+          <a:chOff x="0" y="0"/>
+          <a:chExt cx="0" cy="0"/>
+        </a:xfrm>
+      </p:grpSpPr>
+      <p:sp>
+        <p:nvSpPr>
+          <p:cNvPr id="2" name="Title 1"/>
+          <p:cNvSpPr>
+            <a:spLocks noGrp="1"/>
+          </p:cNvSpPr>
+          <p:nvPr>
+            <p:ph type="title"/>
+          </p:nvPr>
+        </p:nvSpPr>
+        <p:spPr/>
+        <p:txBody>
+          <a:bodyPr/>
+          <a:lstStyle/>
+          <a:p>
+            <a:r>
+              <a:rPr lang="en-US" dirty="0" smtClean="0"/>
+              <a:t>Q?</a:t>
+            </a:r>
+            <a:endParaRPr lang="en-US" dirty="0"/>
+          </a:p>
+        </p:txBody>
+      </p:sp>
+      <p:sp>
+        <p:nvSpPr>
+          <p:cNvPr id="3" name="Content Placeholder 2"/>
+          <p:cNvSpPr>
+            <a:spLocks noGrp="1"/>
+          </p:cNvSpPr>
+          <p:nvPr>
+            <p:ph idx="1"/>
+          </p:nvPr>
+        </p:nvSpPr>
+        <p:spPr/>
+        <p:txBody>
+          <a:bodyPr/>
+          <a:lstStyle/>
+          <a:p>
             <a:endParaRPr lang="en-US" dirty="0"/>
           </a:p>
         </p:txBody>
@@ -3944,13 +7375,7 @@
               <a:rPr lang="en-US" dirty="0" smtClean="0">
                 <a:hlinkClick r:id="rId2"/>
               </a:rPr>
-              <a:t>http://www.predizo.com</a:t>
-            </a:r>
-            <a:r>
-              <a:rPr lang="en-US" dirty="0" smtClean="0">
-                <a:hlinkClick r:id="rId2"/>
-              </a:rPr>
-              <a:t>/</a:t>
+              <a:t>http://www.predizo.com/</a:t>
             </a:r>
             <a:endParaRPr lang="en-US" dirty="0" smtClean="0"/>
           </a:p>
@@ -4133,13 +7558,6 @@
               </a:rPr>
               <a:t> pull </a:t>
             </a:r>
-            <a:endParaRPr lang="en-US" b="1" dirty="0" smtClean="0">
-              <a:solidFill>
-                <a:schemeClr val="accent2">
-                  <a:lumMod val="75000"/>
-                </a:schemeClr>
-              </a:solidFill>
-            </a:endParaRPr>
           </a:p>
           <a:p>
             <a:r>
@@ -4164,13 +7582,6 @@
               </a:rPr>
               <a:t>Сообщения можно исправлять!</a:t>
             </a:r>
-            <a:endParaRPr lang="ru-RU" b="1" smtClean="0">
-              <a:solidFill>
-                <a:schemeClr val="accent2">
-                  <a:lumMod val="75000"/>
-                </a:schemeClr>
-              </a:solidFill>
-            </a:endParaRPr>
           </a:p>
           <a:p>
             <a:pPr>
@@ -4207,24 +7618,119 @@
             </a:r>
             <a:r>
               <a:rPr lang="ru-RU" dirty="0" smtClean="0"/>
-              <a:t>: руководство по </a:t>
-            </a:r>
+              <a:t>: руководство по использованию</a:t>
+            </a:r>
+            <a:r>
+              <a:rPr lang="en-US" dirty="0" smtClean="0"/>
+              <a:t>”.</a:t>
+            </a:r>
+          </a:p>
+          <a:p>
+            <a:endParaRPr lang="en-US" dirty="0" smtClean="0"/>
+          </a:p>
+          <a:p>
+            <a:endParaRPr lang="ru-RU" b="1" dirty="0" smtClean="0"/>
+          </a:p>
+          <a:p>
+            <a:endParaRPr lang="en-US" dirty="0"/>
+          </a:p>
+        </p:txBody>
+      </p:sp>
+    </p:spTree>
+  </p:cSld>
+  <p:clrMapOvr>
+    <a:masterClrMapping/>
+  </p:clrMapOvr>
+</p:sld>
+</file>
+
+<file path=ppt/slides/slide9.xml><?xml version="1.0" encoding="utf-8"?>
+<p:sld xmlns:a="http://schemas.openxmlformats.org/drawingml/2006/main" xmlns:r="http://schemas.openxmlformats.org/officeDocument/2006/relationships" xmlns:p="http://schemas.openxmlformats.org/presentationml/2006/main">
+  <p:cSld>
+    <p:spTree>
+      <p:nvGrpSpPr>
+        <p:cNvPr id="1" name=""/>
+        <p:cNvGrpSpPr/>
+        <p:nvPr/>
+      </p:nvGrpSpPr>
+      <p:grpSpPr>
+        <a:xfrm>
+          <a:off x="0" y="0"/>
+          <a:ext cx="0" cy="0"/>
+          <a:chOff x="0" y="0"/>
+          <a:chExt cx="0" cy="0"/>
+        </a:xfrm>
+      </p:grpSpPr>
+      <p:sp>
+        <p:nvSpPr>
+          <p:cNvPr id="2" name="Title 1"/>
+          <p:cNvSpPr>
+            <a:spLocks noGrp="1"/>
+          </p:cNvSpPr>
+          <p:nvPr>
+            <p:ph type="title"/>
+          </p:nvPr>
+        </p:nvSpPr>
+        <p:spPr/>
+        <p:txBody>
+          <a:bodyPr/>
+          <a:lstStyle/>
+          <a:p>
+            <a:r>
+              <a:rPr lang="en-US" dirty="0" err="1" smtClean="0"/>
+              <a:t>CMake</a:t>
+            </a:r>
+            <a:endParaRPr lang="en-US" dirty="0"/>
+          </a:p>
+        </p:txBody>
+      </p:sp>
+      <p:sp>
+        <p:nvSpPr>
+          <p:cNvPr id="3" name="Content Placeholder 2"/>
+          <p:cNvSpPr>
+            <a:spLocks noGrp="1"/>
+          </p:cNvSpPr>
+          <p:nvPr>
+            <p:ph idx="1"/>
+          </p:nvPr>
+        </p:nvSpPr>
+        <p:spPr/>
+        <p:txBody>
+          <a:bodyPr/>
+          <a:lstStyle/>
+          <a:p>
             <a:r>
               <a:rPr lang="ru-RU" dirty="0" smtClean="0"/>
-              <a:t>использованию</a:t>
-            </a:r>
-            <a:r>
-              <a:rPr lang="en-US" dirty="0" smtClean="0"/>
-              <a:t>”.</a:t>
-            </a:r>
-          </a:p>
-          <a:p>
+              <a:t>Создание профилей для любой системы.</a:t>
+            </a:r>
             <a:endParaRPr lang="en-US" dirty="0" smtClean="0"/>
           </a:p>
           <a:p>
-            <a:endParaRPr lang="ru-RU" b="1" dirty="0" smtClean="0"/>
-          </a:p>
-          <a:p>
+            <a:r>
+              <a:rPr lang="ru-RU" dirty="0" smtClean="0"/>
+              <a:t>Пример: </a:t>
+            </a:r>
+            <a:r>
+              <a:rPr lang="en-US" dirty="0" smtClean="0">
+                <a:hlinkClick r:id="rId2"/>
+              </a:rPr>
+              <a:t>https://github.com/sidorovis/system_utilities</a:t>
+            </a:r>
+            <a:endParaRPr lang="ru-RU" dirty="0" smtClean="0"/>
+          </a:p>
+          <a:p>
+            <a:r>
+              <a:rPr lang="ru-RU" dirty="0" smtClean="0"/>
+              <a:t>Пример 001_</a:t>
+            </a:r>
+            <a:r>
+              <a:rPr lang="en-US" dirty="0" err="1" smtClean="0"/>
+              <a:t>cmake_example</a:t>
+            </a:r>
+            <a:r>
+              <a:rPr lang="en-US" smtClean="0"/>
+              <a:t>.</a:t>
+            </a:r>
             <a:endParaRPr lang="en-US" dirty="0"/>
           </a:p>
         </p:txBody>

--- a/lections/cpp_craft_lec_1_part_1.pptx
+++ b/lections/cpp_craft_lec_1_part_1.pptx
@@ -314,7 +314,7 @@
             <a:fld id="{8281312E-8B3E-4748-9BAE-A66E5A6CC2C8}" type="datetimeFigureOut">
               <a:rPr lang="en-US" smtClean="0"/>
               <a:pPr/>
-              <a:t>10/2/2013</a:t>
+              <a:t>10/3/2013</a:t>
             </a:fld>
             <a:endParaRPr lang="en-US"/>
           </a:p>
@@ -481,7 +481,7 @@
             <a:fld id="{8281312E-8B3E-4748-9BAE-A66E5A6CC2C8}" type="datetimeFigureOut">
               <a:rPr lang="en-US" smtClean="0"/>
               <a:pPr/>
-              <a:t>10/2/2013</a:t>
+              <a:t>10/3/2013</a:t>
             </a:fld>
             <a:endParaRPr lang="en-US"/>
           </a:p>
@@ -658,7 +658,7 @@
             <a:fld id="{8281312E-8B3E-4748-9BAE-A66E5A6CC2C8}" type="datetimeFigureOut">
               <a:rPr lang="en-US" smtClean="0"/>
               <a:pPr/>
-              <a:t>10/2/2013</a:t>
+              <a:t>10/3/2013</a:t>
             </a:fld>
             <a:endParaRPr lang="en-US"/>
           </a:p>
@@ -825,7 +825,7 @@
             <a:fld id="{8281312E-8B3E-4748-9BAE-A66E5A6CC2C8}" type="datetimeFigureOut">
               <a:rPr lang="en-US" smtClean="0"/>
               <a:pPr/>
-              <a:t>10/2/2013</a:t>
+              <a:t>10/3/2013</a:t>
             </a:fld>
             <a:endParaRPr lang="en-US"/>
           </a:p>
@@ -1068,7 +1068,7 @@
             <a:fld id="{8281312E-8B3E-4748-9BAE-A66E5A6CC2C8}" type="datetimeFigureOut">
               <a:rPr lang="en-US" smtClean="0"/>
               <a:pPr/>
-              <a:t>10/2/2013</a:t>
+              <a:t>10/3/2013</a:t>
             </a:fld>
             <a:endParaRPr lang="en-US"/>
           </a:p>
@@ -1353,7 +1353,7 @@
             <a:fld id="{8281312E-8B3E-4748-9BAE-A66E5A6CC2C8}" type="datetimeFigureOut">
               <a:rPr lang="en-US" smtClean="0"/>
               <a:pPr/>
-              <a:t>10/2/2013</a:t>
+              <a:t>10/3/2013</a:t>
             </a:fld>
             <a:endParaRPr lang="en-US"/>
           </a:p>
@@ -1772,7 +1772,7 @@
             <a:fld id="{8281312E-8B3E-4748-9BAE-A66E5A6CC2C8}" type="datetimeFigureOut">
               <a:rPr lang="en-US" smtClean="0"/>
               <a:pPr/>
-              <a:t>10/2/2013</a:t>
+              <a:t>10/3/2013</a:t>
             </a:fld>
             <a:endParaRPr lang="en-US"/>
           </a:p>
@@ -1887,7 +1887,7 @@
             <a:fld id="{8281312E-8B3E-4748-9BAE-A66E5A6CC2C8}" type="datetimeFigureOut">
               <a:rPr lang="en-US" smtClean="0"/>
               <a:pPr/>
-              <a:t>10/2/2013</a:t>
+              <a:t>10/3/2013</a:t>
             </a:fld>
             <a:endParaRPr lang="en-US"/>
           </a:p>
@@ -1979,7 +1979,7 @@
             <a:fld id="{8281312E-8B3E-4748-9BAE-A66E5A6CC2C8}" type="datetimeFigureOut">
               <a:rPr lang="en-US" smtClean="0"/>
               <a:pPr/>
-              <a:t>10/2/2013</a:t>
+              <a:t>10/3/2013</a:t>
             </a:fld>
             <a:endParaRPr lang="en-US"/>
           </a:p>
@@ -2253,7 +2253,7 @@
             <a:fld id="{8281312E-8B3E-4748-9BAE-A66E5A6CC2C8}" type="datetimeFigureOut">
               <a:rPr lang="en-US" smtClean="0"/>
               <a:pPr/>
-              <a:t>10/2/2013</a:t>
+              <a:t>10/3/2013</a:t>
             </a:fld>
             <a:endParaRPr lang="en-US"/>
           </a:p>
@@ -2503,7 +2503,7 @@
             <a:fld id="{8281312E-8B3E-4748-9BAE-A66E5A6CC2C8}" type="datetimeFigureOut">
               <a:rPr lang="en-US" smtClean="0"/>
               <a:pPr/>
-              <a:t>10/2/2013</a:t>
+              <a:t>10/3/2013</a:t>
             </a:fld>
             <a:endParaRPr lang="en-US"/>
           </a:p>
@@ -2713,7 +2713,7 @@
             <a:fld id="{8281312E-8B3E-4748-9BAE-A66E5A6CC2C8}" type="datetimeFigureOut">
               <a:rPr lang="en-US" smtClean="0"/>
               <a:pPr/>
-              <a:t>10/2/2013</a:t>
+              <a:t>10/3/2013</a:t>
             </a:fld>
             <a:endParaRPr lang="en-US"/>
           </a:p>
@@ -3879,10 +3879,6 @@
               </a:rPr>
               <a:t>( 34 ); </a:t>
             </a:r>
-            <a:endParaRPr lang="en-US" dirty="0" smtClean="0">
-              <a:latin typeface="Consolas" pitchFamily="49" charset="0"/>
-              <a:cs typeface="Consolas" pitchFamily="49" charset="0"/>
-            </a:endParaRPr>
           </a:p>
           <a:p>
             <a:pPr>
@@ -3893,37 +3889,19 @@
                 <a:latin typeface="Consolas" pitchFamily="49" charset="0"/>
                 <a:cs typeface="Consolas" pitchFamily="49" charset="0"/>
               </a:rPr>
-              <a:t>*</a:t>
-            </a:r>
+              <a:t>*a; </a:t>
+            </a:r>
+          </a:p>
+          <a:p>
+            <a:pPr>
+              <a:buNone/>
+            </a:pPr>
             <a:r>
               <a:rPr lang="en-US" dirty="0" smtClean="0">
                 <a:latin typeface="Consolas" pitchFamily="49" charset="0"/>
                 <a:cs typeface="Consolas" pitchFamily="49" charset="0"/>
               </a:rPr>
-              <a:t>a; </a:t>
-            </a:r>
-            <a:endParaRPr lang="en-US" dirty="0" smtClean="0">
-              <a:latin typeface="Consolas" pitchFamily="49" charset="0"/>
-              <a:cs typeface="Consolas" pitchFamily="49" charset="0"/>
-            </a:endParaRPr>
-          </a:p>
-          <a:p>
-            <a:pPr>
-              <a:buNone/>
-            </a:pPr>
-            <a:r>
-              <a:rPr lang="en-US" dirty="0" smtClean="0">
-                <a:latin typeface="Consolas" pitchFamily="49" charset="0"/>
-                <a:cs typeface="Consolas" pitchFamily="49" charset="0"/>
-              </a:rPr>
-              <a:t>delete </a:t>
-            </a:r>
-            <a:r>
-              <a:rPr lang="en-US" dirty="0" smtClean="0">
-                <a:latin typeface="Consolas" pitchFamily="49" charset="0"/>
-                <a:cs typeface="Consolas" pitchFamily="49" charset="0"/>
-              </a:rPr>
-              <a:t>a;</a:t>
+              <a:t>delete a;</a:t>
             </a:r>
           </a:p>
           <a:p>
@@ -4327,10 +4305,6 @@
               </a:rPr>
               <a:t>[ 45 ] ; </a:t>
             </a:r>
-            <a:endParaRPr lang="en-US" sz="2800" dirty="0" smtClean="0">
-              <a:latin typeface="Consolas" pitchFamily="49" charset="0"/>
-              <a:cs typeface="Consolas" pitchFamily="49" charset="0"/>
-            </a:endParaRPr>
           </a:p>
           <a:p>
             <a:pPr>
@@ -4341,19 +4315,20 @@
                 <a:latin typeface="Consolas" pitchFamily="49" charset="0"/>
                 <a:cs typeface="Consolas" pitchFamily="49" charset="0"/>
               </a:rPr>
-              <a:t>*</a:t>
-            </a:r>
+              <a:t>*d; </a:t>
+            </a:r>
+          </a:p>
+          <a:p>
+            <a:pPr>
+              <a:buNone/>
+            </a:pPr>
             <a:r>
               <a:rPr lang="en-US" sz="2800" dirty="0" smtClean="0">
                 <a:latin typeface="Consolas" pitchFamily="49" charset="0"/>
                 <a:cs typeface="Consolas" pitchFamily="49" charset="0"/>
               </a:rPr>
-              <a:t>d; </a:t>
-            </a:r>
-            <a:endParaRPr lang="en-US" sz="2800" dirty="0" smtClean="0">
-              <a:latin typeface="Consolas" pitchFamily="49" charset="0"/>
-              <a:cs typeface="Consolas" pitchFamily="49" charset="0"/>
-            </a:endParaRPr>
+              <a:t>d[ 40 ]; </a:t>
+            </a:r>
           </a:p>
           <a:p>
             <a:pPr>
@@ -4364,40 +4339,7 @@
                 <a:latin typeface="Consolas" pitchFamily="49" charset="0"/>
                 <a:cs typeface="Consolas" pitchFamily="49" charset="0"/>
               </a:rPr>
-              <a:t>d</a:t>
-            </a:r>
-            <a:r>
-              <a:rPr lang="en-US" sz="2800" dirty="0" smtClean="0">
-                <a:latin typeface="Consolas" pitchFamily="49" charset="0"/>
-                <a:cs typeface="Consolas" pitchFamily="49" charset="0"/>
-              </a:rPr>
-              <a:t>[ 40 </a:t>
-            </a:r>
-            <a:r>
-              <a:rPr lang="en-US" sz="2800" dirty="0" smtClean="0">
-                <a:latin typeface="Consolas" pitchFamily="49" charset="0"/>
-                <a:cs typeface="Consolas" pitchFamily="49" charset="0"/>
-              </a:rPr>
-              <a:t>]; </a:t>
-            </a:r>
-          </a:p>
-          <a:p>
-            <a:pPr>
-              <a:buNone/>
-            </a:pPr>
-            <a:r>
-              <a:rPr lang="en-US" sz="2800" dirty="0" smtClean="0">
-                <a:latin typeface="Consolas" pitchFamily="49" charset="0"/>
-                <a:cs typeface="Consolas" pitchFamily="49" charset="0"/>
-              </a:rPr>
-              <a:t>delete </a:t>
-            </a:r>
-            <a:r>
-              <a:rPr lang="en-US" sz="2800" dirty="0" smtClean="0">
-                <a:latin typeface="Consolas" pitchFamily="49" charset="0"/>
-                <a:cs typeface="Consolas" pitchFamily="49" charset="0"/>
-              </a:rPr>
-              <a:t>[] d;</a:t>
+              <a:t>delete [] d;</a:t>
             </a:r>
           </a:p>
           <a:p>
@@ -4878,7 +4820,6 @@
               <a:rPr lang="en-US" dirty="0" smtClean="0"/>
               <a:t>;</a:t>
             </a:r>
-            <a:endParaRPr lang="en-US" dirty="0" smtClean="0"/>
           </a:p>
           <a:p>
             <a:r>
@@ -4915,15 +4856,7 @@
           <a:p>
             <a:r>
               <a:rPr lang="en-US" strike="sngStrike" dirty="0" smtClean="0"/>
-              <a:t>string += string + string + string + </a:t>
-            </a:r>
-            <a:r>
-              <a:rPr lang="en-US" strike="sngStrike" dirty="0" smtClean="0"/>
-              <a:t>string</a:t>
-            </a:r>
-            <a:r>
-              <a:rPr lang="en-US" strike="sngStrike" dirty="0" smtClean="0"/>
-              <a:t>;</a:t>
+              <a:t>string += string + string + string + string;</a:t>
             </a:r>
           </a:p>
         </p:txBody>
@@ -5259,11 +5192,7 @@
             </a:r>
             <a:r>
               <a:rPr lang="en-US" dirty="0" smtClean="0"/>
-              <a:t> </a:t>
-            </a:r>
-            <a:r>
-              <a:rPr lang="en-US" dirty="0" smtClean="0"/>
-              <a:t>&gt;::</a:t>
+              <a:t> &gt;::</a:t>
             </a:r>
             <a:r>
               <a:rPr lang="en-US" dirty="0" err="1" smtClean="0"/>
@@ -5526,21 +5455,7 @@
                 <a:latin typeface="Consolas" pitchFamily="49" charset="0"/>
                 <a:cs typeface="Consolas" pitchFamily="49" charset="0"/>
               </a:rPr>
-              <a:t> )</a:t>
-            </a:r>
-            <a:r>
-              <a:rPr lang="en-US" sz="2000" dirty="0" smtClean="0">
-                <a:latin typeface="Consolas" pitchFamily="49" charset="0"/>
-                <a:cs typeface="Consolas" pitchFamily="49" charset="0"/>
-              </a:rPr>
-              <a:t> </a:t>
-            </a:r>
-            <a:r>
-              <a:rPr lang="en-US" sz="2000" dirty="0" smtClean="0">
-                <a:latin typeface="Consolas" pitchFamily="49" charset="0"/>
-                <a:cs typeface="Consolas" pitchFamily="49" charset="0"/>
-              </a:rPr>
-              <a:t>{}</a:t>
+              <a:t> ) {}</a:t>
             </a:r>
           </a:p>
           <a:p>
@@ -5568,78 +5483,109 @@
                 <a:latin typeface="Consolas" pitchFamily="49" charset="0"/>
                 <a:cs typeface="Consolas" pitchFamily="49" charset="0"/>
               </a:rPr>
-              <a:t> </a:t>
+              <a:t> std::vector&lt; </a:t>
+            </a:r>
+            <a:r>
+              <a:rPr lang="en-US" sz="2000" dirty="0" err="1" smtClean="0">
+                <a:latin typeface="Consolas" pitchFamily="49" charset="0"/>
+                <a:cs typeface="Consolas" pitchFamily="49" charset="0"/>
+              </a:rPr>
+              <a:t>int</a:t>
             </a:r>
             <a:r>
               <a:rPr lang="en-US" sz="2000" dirty="0" smtClean="0">
                 <a:latin typeface="Consolas" pitchFamily="49" charset="0"/>
                 <a:cs typeface="Consolas" pitchFamily="49" charset="0"/>
               </a:rPr>
-              <a:t>std::vector&lt; </a:t>
+              <a:t> &gt;::</a:t>
             </a:r>
             <a:r>
               <a:rPr lang="en-US" sz="2000" dirty="0" err="1" smtClean="0">
                 <a:latin typeface="Consolas" pitchFamily="49" charset="0"/>
                 <a:cs typeface="Consolas" pitchFamily="49" charset="0"/>
               </a:rPr>
-              <a:t>int</a:t>
+              <a:t>iterator</a:t>
             </a:r>
             <a:r>
               <a:rPr lang="en-US" sz="2000" dirty="0" smtClean="0">
                 <a:latin typeface="Consolas" pitchFamily="49" charset="0"/>
                 <a:cs typeface="Consolas" pitchFamily="49" charset="0"/>
               </a:rPr>
-              <a:t> </a:t>
-            </a:r>
+              <a:t> it;</a:t>
+            </a:r>
+          </a:p>
+          <a:p>
+            <a:pPr>
+              <a:buNone/>
+            </a:pPr>
             <a:r>
               <a:rPr lang="en-US" sz="2000" dirty="0" smtClean="0">
                 <a:latin typeface="Consolas" pitchFamily="49" charset="0"/>
                 <a:cs typeface="Consolas" pitchFamily="49" charset="0"/>
               </a:rPr>
-              <a:t>&gt;::</a:t>
+              <a:t>for( it </a:t>
             </a:r>
             <a:r>
               <a:rPr lang="en-US" sz="2000" dirty="0" err="1" smtClean="0">
                 <a:latin typeface="Consolas" pitchFamily="49" charset="0"/>
                 <a:cs typeface="Consolas" pitchFamily="49" charset="0"/>
               </a:rPr>
-              <a:t>iterator</a:t>
+              <a:t>i</a:t>
             </a:r>
             <a:r>
               <a:rPr lang="en-US" sz="2000" dirty="0" smtClean="0">
                 <a:latin typeface="Consolas" pitchFamily="49" charset="0"/>
                 <a:cs typeface="Consolas" pitchFamily="49" charset="0"/>
               </a:rPr>
-              <a:t> it;</a:t>
-            </a:r>
-            <a:endParaRPr lang="en-US" sz="2000" dirty="0" smtClean="0">
-              <a:latin typeface="Consolas" pitchFamily="49" charset="0"/>
-              <a:cs typeface="Consolas" pitchFamily="49" charset="0"/>
-            </a:endParaRPr>
-          </a:p>
-          <a:p>
-            <a:pPr>
-              <a:buNone/>
-            </a:pPr>
+              <a:t> = </a:t>
+            </a:r>
+            <a:r>
+              <a:rPr lang="en-US" sz="2000" dirty="0" err="1" smtClean="0">
+                <a:latin typeface="Consolas" pitchFamily="49" charset="0"/>
+                <a:cs typeface="Consolas" pitchFamily="49" charset="0"/>
+              </a:rPr>
+              <a:t>vi.begin</a:t>
+            </a:r>
             <a:r>
               <a:rPr lang="en-US" sz="2000" dirty="0" smtClean="0">
                 <a:latin typeface="Consolas" pitchFamily="49" charset="0"/>
                 <a:cs typeface="Consolas" pitchFamily="49" charset="0"/>
               </a:rPr>
-              <a:t>for( </a:t>
+              <a:t>() ; </a:t>
+            </a:r>
+            <a:r>
+              <a:rPr lang="en-US" sz="2000" dirty="0" err="1" smtClean="0">
+                <a:latin typeface="Consolas" pitchFamily="49" charset="0"/>
+                <a:cs typeface="Consolas" pitchFamily="49" charset="0"/>
+              </a:rPr>
+              <a:t>i</a:t>
             </a:r>
             <a:r>
               <a:rPr lang="en-US" sz="2000" dirty="0" smtClean="0">
                 <a:latin typeface="Consolas" pitchFamily="49" charset="0"/>
                 <a:cs typeface="Consolas" pitchFamily="49" charset="0"/>
               </a:rPr>
-              <a:t>it </a:t>
+              <a:t> != </a:t>
             </a:r>
             <a:r>
               <a:rPr lang="en-US" sz="2000" dirty="0" err="1" smtClean="0">
                 <a:latin typeface="Consolas" pitchFamily="49" charset="0"/>
                 <a:cs typeface="Consolas" pitchFamily="49" charset="0"/>
               </a:rPr>
+              <a:t>vi.end</a:t>
+            </a:r>
+            <a:r>
+              <a:rPr lang="en-US" sz="2000" dirty="0" smtClean="0">
+                <a:latin typeface="Consolas" pitchFamily="49" charset="0"/>
+                <a:cs typeface="Consolas" pitchFamily="49" charset="0"/>
+              </a:rPr>
+              <a:t>() ; ++</a:t>
+            </a:r>
+            <a:r>
+              <a:rPr lang="en-US" sz="2000" dirty="0" err="1" smtClean="0">
+                <a:latin typeface="Consolas" pitchFamily="49" charset="0"/>
+                <a:cs typeface="Consolas" pitchFamily="49" charset="0"/>
+              </a:rPr>
               <a:t>i</a:t>
             </a:r>
             <a:r>
@@ -5647,89 +5593,22 @@
                 <a:latin typeface="Consolas" pitchFamily="49" charset="0"/>
                 <a:cs typeface="Consolas" pitchFamily="49" charset="0"/>
               </a:rPr>
-              <a:t> = </a:t>
+              <a:t> ) { *</a:t>
             </a:r>
             <a:r>
               <a:rPr lang="en-US" sz="2000" dirty="0" err="1" smtClean="0">
                 <a:latin typeface="Consolas" pitchFamily="49" charset="0"/>
                 <a:cs typeface="Consolas" pitchFamily="49" charset="0"/>
               </a:rPr>
-              <a:t>vi.begin</a:t>
+              <a:t>i</a:t>
             </a:r>
             <a:r>
               <a:rPr lang="en-US" sz="2000" dirty="0" smtClean="0">
                 <a:latin typeface="Consolas" pitchFamily="49" charset="0"/>
                 <a:cs typeface="Consolas" pitchFamily="49" charset="0"/>
               </a:rPr>
-              <a:t>() ; </a:t>
-            </a:r>
-            <a:r>
-              <a:rPr lang="en-US" sz="2000" dirty="0" err="1" smtClean="0">
-                <a:latin typeface="Consolas" pitchFamily="49" charset="0"/>
-                <a:cs typeface="Consolas" pitchFamily="49" charset="0"/>
-              </a:rPr>
-              <a:t>i</a:t>
-            </a:r>
-            <a:r>
-              <a:rPr lang="en-US" sz="2000" dirty="0" smtClean="0">
-                <a:latin typeface="Consolas" pitchFamily="49" charset="0"/>
-                <a:cs typeface="Consolas" pitchFamily="49" charset="0"/>
-              </a:rPr>
-              <a:t> != </a:t>
-            </a:r>
-            <a:r>
-              <a:rPr lang="en-US" sz="2000" dirty="0" err="1" smtClean="0">
-                <a:latin typeface="Consolas" pitchFamily="49" charset="0"/>
-                <a:cs typeface="Consolas" pitchFamily="49" charset="0"/>
-              </a:rPr>
-              <a:t>vi.end</a:t>
-            </a:r>
-            <a:r>
-              <a:rPr lang="en-US" sz="2000" dirty="0" smtClean="0">
-                <a:latin typeface="Consolas" pitchFamily="49" charset="0"/>
-                <a:cs typeface="Consolas" pitchFamily="49" charset="0"/>
-              </a:rPr>
-              <a:t>() ; ++</a:t>
-            </a:r>
-            <a:r>
-              <a:rPr lang="en-US" sz="2000" dirty="0" err="1" smtClean="0">
-                <a:latin typeface="Consolas" pitchFamily="49" charset="0"/>
-                <a:cs typeface="Consolas" pitchFamily="49" charset="0"/>
-              </a:rPr>
-              <a:t>i</a:t>
-            </a:r>
-            <a:r>
-              <a:rPr lang="en-US" sz="2000" dirty="0" smtClean="0">
-                <a:latin typeface="Consolas" pitchFamily="49" charset="0"/>
-                <a:cs typeface="Consolas" pitchFamily="49" charset="0"/>
-              </a:rPr>
-              <a:t> ) </a:t>
-            </a:r>
-            <a:r>
-              <a:rPr lang="en-US" sz="2000" dirty="0" smtClean="0">
-                <a:latin typeface="Consolas" pitchFamily="49" charset="0"/>
-                <a:cs typeface="Consolas" pitchFamily="49" charset="0"/>
-              </a:rPr>
-              <a:t>{ *</a:t>
-            </a:r>
-            <a:r>
-              <a:rPr lang="en-US" sz="2000" dirty="0" err="1" smtClean="0">
-                <a:latin typeface="Consolas" pitchFamily="49" charset="0"/>
-                <a:cs typeface="Consolas" pitchFamily="49" charset="0"/>
-              </a:rPr>
-              <a:t>i</a:t>
-            </a:r>
-            <a:r>
-              <a:rPr lang="en-US" sz="2000" dirty="0" smtClean="0">
-                <a:latin typeface="Consolas" pitchFamily="49" charset="0"/>
-                <a:cs typeface="Consolas" pitchFamily="49" charset="0"/>
-              </a:rPr>
               <a:t> = 4;}</a:t>
             </a:r>
-            <a:endParaRPr lang="en-US" sz="2000" dirty="0" smtClean="0">
-              <a:latin typeface="Consolas" pitchFamily="49" charset="0"/>
-              <a:cs typeface="Consolas" pitchFamily="49" charset="0"/>
-            </a:endParaRPr>
           </a:p>
           <a:p>
             <a:pPr>
@@ -5950,49 +5829,35 @@
                 <a:latin typeface="Consolas" pitchFamily="49" charset="0"/>
                 <a:cs typeface="Consolas" pitchFamily="49" charset="0"/>
               </a:rPr>
-              <a:t>std</a:t>
+              <a:t>std::</a:t>
+            </a:r>
+            <a:r>
+              <a:rPr lang="en-US" sz="2400" dirty="0" err="1" smtClean="0">
+                <a:latin typeface="Consolas" pitchFamily="49" charset="0"/>
+                <a:cs typeface="Consolas" pitchFamily="49" charset="0"/>
+              </a:rPr>
+              <a:t>ofstream</a:t>
             </a:r>
             <a:r>
               <a:rPr lang="en-US" sz="2400" dirty="0" smtClean="0">
                 <a:latin typeface="Consolas" pitchFamily="49" charset="0"/>
                 <a:cs typeface="Consolas" pitchFamily="49" charset="0"/>
               </a:rPr>
-              <a:t>::</a:t>
+              <a:t> </a:t>
             </a:r>
             <a:r>
               <a:rPr lang="en-US" sz="2400" dirty="0" err="1" smtClean="0">
                 <a:latin typeface="Consolas" pitchFamily="49" charset="0"/>
                 <a:cs typeface="Consolas" pitchFamily="49" charset="0"/>
               </a:rPr>
-              <a:t>ofstream</a:t>
+              <a:t>output_file</a:t>
             </a:r>
             <a:r>
               <a:rPr lang="en-US" sz="2400" dirty="0" smtClean="0">
                 <a:latin typeface="Consolas" pitchFamily="49" charset="0"/>
                 <a:cs typeface="Consolas" pitchFamily="49" charset="0"/>
               </a:rPr>
-              <a:t> </a:t>
-            </a:r>
-            <a:r>
-              <a:rPr lang="en-US" sz="2400" dirty="0" err="1" smtClean="0">
-                <a:latin typeface="Consolas" pitchFamily="49" charset="0"/>
-                <a:cs typeface="Consolas" pitchFamily="49" charset="0"/>
-              </a:rPr>
-              <a:t>output_file</a:t>
-            </a:r>
-            <a:r>
-              <a:rPr lang="en-US" sz="2400" dirty="0" smtClean="0">
-                <a:latin typeface="Consolas" pitchFamily="49" charset="0"/>
-                <a:cs typeface="Consolas" pitchFamily="49" charset="0"/>
-              </a:rPr>
-              <a:t>( </a:t>
-            </a:r>
-            <a:r>
-              <a:rPr lang="en-US" sz="2400" dirty="0" smtClean="0">
-                <a:latin typeface="Consolas" pitchFamily="49" charset="0"/>
-                <a:cs typeface="Consolas" pitchFamily="49" charset="0"/>
-              </a:rPr>
-              <a:t>“</a:t>
+              <a:t>( “</a:t>
             </a:r>
             <a:r>
               <a:rPr lang="en-US" sz="2400" dirty="0" err="1" smtClean="0">
@@ -6434,14 +6299,33 @@
                 <a:latin typeface="Consolas" pitchFamily="49" charset="0"/>
                 <a:cs typeface="Consolas" pitchFamily="49" charset="0"/>
               </a:rPr>
-              <a:t>// template </a:t>
+              <a:t>// template &lt;class </a:t>
+            </a:r>
+            <a:r>
+              <a:rPr lang="en-US" sz="1600" dirty="0" err="1" smtClean="0">
+                <a:latin typeface="Consolas" pitchFamily="49" charset="0"/>
+                <a:cs typeface="Consolas" pitchFamily="49" charset="0"/>
+              </a:rPr>
+              <a:t>RandomAccessIterator</a:t>
             </a:r>
             <a:r>
               <a:rPr lang="en-US" sz="1600" dirty="0" smtClean="0">
                 <a:latin typeface="Consolas" pitchFamily="49" charset="0"/>
                 <a:cs typeface="Consolas" pitchFamily="49" charset="0"/>
               </a:rPr>
-              <a:t>&lt;class </a:t>
+              <a:t>&gt; </a:t>
+            </a:r>
+          </a:p>
+          <a:p>
+            <a:pPr>
+              <a:buNone/>
+            </a:pPr>
+            <a:r>
+              <a:rPr lang="en-US" sz="1600" dirty="0" smtClean="0">
+                <a:latin typeface="Consolas" pitchFamily="49" charset="0"/>
+                <a:cs typeface="Consolas" pitchFamily="49" charset="0"/>
+              </a:rPr>
+              <a:t>// void sort (</a:t>
             </a:r>
             <a:r>
               <a:rPr lang="en-US" sz="1600" dirty="0" err="1" smtClean="0">
@@ -6455,65 +6339,21 @@
                 <a:latin typeface="Consolas" pitchFamily="49" charset="0"/>
                 <a:cs typeface="Consolas" pitchFamily="49" charset="0"/>
               </a:rPr>
-              <a:t>&gt; </a:t>
-            </a:r>
-            <a:endParaRPr lang="en-US" sz="1600" dirty="0" smtClean="0">
-              <a:latin typeface="Consolas" pitchFamily="49" charset="0"/>
-              <a:cs typeface="Consolas" pitchFamily="49" charset="0"/>
-            </a:endParaRPr>
-          </a:p>
-          <a:p>
-            <a:pPr>
-              <a:buNone/>
-            </a:pPr>
+              <a:t> first, </a:t>
+            </a:r>
+            <a:r>
+              <a:rPr lang="en-US" sz="1600" dirty="0" err="1" smtClean="0">
+                <a:latin typeface="Consolas" pitchFamily="49" charset="0"/>
+                <a:cs typeface="Consolas" pitchFamily="49" charset="0"/>
+              </a:rPr>
+              <a:t>RandomAccessIterator</a:t>
+            </a:r>
             <a:r>
               <a:rPr lang="en-US" sz="1600" dirty="0" smtClean="0">
                 <a:latin typeface="Consolas" pitchFamily="49" charset="0"/>
                 <a:cs typeface="Consolas" pitchFamily="49" charset="0"/>
               </a:rPr>
-              <a:t>// void </a:t>
-            </a:r>
-            <a:r>
-              <a:rPr lang="en-US" sz="1600" dirty="0" smtClean="0">
-                <a:latin typeface="Consolas" pitchFamily="49" charset="0"/>
-                <a:cs typeface="Consolas" pitchFamily="49" charset="0"/>
-              </a:rPr>
-              <a:t>sort (</a:t>
-            </a:r>
-            <a:r>
-              <a:rPr lang="en-US" sz="1600" dirty="0" err="1" smtClean="0">
-                <a:latin typeface="Consolas" pitchFamily="49" charset="0"/>
-                <a:cs typeface="Consolas" pitchFamily="49" charset="0"/>
-              </a:rPr>
-              <a:t>RandomAccessIterator</a:t>
-            </a:r>
-            <a:r>
-              <a:rPr lang="en-US" sz="1600" dirty="0" smtClean="0">
-                <a:latin typeface="Consolas" pitchFamily="49" charset="0"/>
-                <a:cs typeface="Consolas" pitchFamily="49" charset="0"/>
-              </a:rPr>
-              <a:t> first, </a:t>
-            </a:r>
-            <a:r>
-              <a:rPr lang="en-US" sz="1600" dirty="0" err="1" smtClean="0">
-                <a:latin typeface="Consolas" pitchFamily="49" charset="0"/>
-                <a:cs typeface="Consolas" pitchFamily="49" charset="0"/>
-              </a:rPr>
-              <a:t>RandomAccessIterator</a:t>
-            </a:r>
-            <a:r>
-              <a:rPr lang="en-US" sz="1600" dirty="0" smtClean="0">
-                <a:latin typeface="Consolas" pitchFamily="49" charset="0"/>
-                <a:cs typeface="Consolas" pitchFamily="49" charset="0"/>
-              </a:rPr>
-              <a:t> last</a:t>
-            </a:r>
-            <a:r>
-              <a:rPr lang="en-US" sz="1600" dirty="0" smtClean="0">
-                <a:latin typeface="Consolas" pitchFamily="49" charset="0"/>
-                <a:cs typeface="Consolas" pitchFamily="49" charset="0"/>
-              </a:rPr>
-              <a:t>);</a:t>
+              <a:t> last);</a:t>
             </a:r>
           </a:p>
           <a:p>
@@ -6660,14 +6500,21 @@
                 <a:latin typeface="Consolas" pitchFamily="49" charset="0"/>
                 <a:cs typeface="Consolas" pitchFamily="49" charset="0"/>
               </a:rPr>
-              <a:t>std::</a:t>
+              <a:t>std::sort( &amp;</a:t>
+            </a:r>
+            <a:r>
+              <a:rPr lang="en-US" sz="1600" dirty="0" err="1" smtClean="0">
+                <a:latin typeface="Consolas" pitchFamily="49" charset="0"/>
+                <a:cs typeface="Consolas" pitchFamily="49" charset="0"/>
+              </a:rPr>
+              <a:t>arr</a:t>
             </a:r>
             <a:r>
               <a:rPr lang="en-US" sz="1600" dirty="0" smtClean="0">
                 <a:latin typeface="Consolas" pitchFamily="49" charset="0"/>
                 <a:cs typeface="Consolas" pitchFamily="49" charset="0"/>
               </a:rPr>
-              <a:t>sort( &amp;</a:t>
+              <a:t>[ 0 ], &amp;</a:t>
             </a:r>
             <a:r>
               <a:rPr lang="en-US" sz="1600" dirty="0" err="1" smtClean="0">
@@ -6681,28 +6528,7 @@
                 <a:latin typeface="Consolas" pitchFamily="49" charset="0"/>
                 <a:cs typeface="Consolas" pitchFamily="49" charset="0"/>
               </a:rPr>
-              <a:t>[ 0 ], &amp;</a:t>
-            </a:r>
-            <a:r>
-              <a:rPr lang="en-US" sz="1600" dirty="0" err="1" smtClean="0">
-                <a:latin typeface="Consolas" pitchFamily="49" charset="0"/>
-                <a:cs typeface="Consolas" pitchFamily="49" charset="0"/>
-              </a:rPr>
-              <a:t>arr</a:t>
-            </a:r>
-            <a:r>
-              <a:rPr lang="en-US" sz="1600" dirty="0" smtClean="0">
-                <a:latin typeface="Consolas" pitchFamily="49" charset="0"/>
-                <a:cs typeface="Consolas" pitchFamily="49" charset="0"/>
-              </a:rPr>
-              <a:t>[ 10 ] </a:t>
-            </a:r>
-            <a:r>
-              <a:rPr lang="en-US" sz="1600" dirty="0" smtClean="0">
-                <a:latin typeface="Consolas" pitchFamily="49" charset="0"/>
-                <a:cs typeface="Consolas" pitchFamily="49" charset="0"/>
-              </a:rPr>
-              <a:t>);</a:t>
+              <a:t>[ 10 ] );</a:t>
             </a:r>
           </a:p>
           <a:p>
